--- a/H02_Big_O/01 Presentacion/H02_PPT_Análisis de Algoritmos.pptx
+++ b/H02_Big_O/01 Presentacion/H02_PPT_Análisis de Algoritmos.pptx
@@ -6,7 +6,7 @@
     <p:sldMasterId id="2147483682" r:id="rId2"/>
   </p:sldMasterIdLst>
   <p:notesMasterIdLst>
-    <p:notesMasterId r:id="rId34"/>
+    <p:notesMasterId r:id="rId35"/>
   </p:notesMasterIdLst>
   <p:sldIdLst>
     <p:sldId id="256" r:id="rId3"/>
@@ -34,45 +34,46 @@
     <p:sldId id="267" r:id="rId25"/>
     <p:sldId id="268" r:id="rId26"/>
     <p:sldId id="269" r:id="rId27"/>
-    <p:sldId id="270" r:id="rId28"/>
-    <p:sldId id="271" r:id="rId29"/>
-    <p:sldId id="272" r:id="rId30"/>
-    <p:sldId id="273" r:id="rId31"/>
-    <p:sldId id="274" r:id="rId32"/>
-    <p:sldId id="281" r:id="rId33"/>
+    <p:sldId id="299" r:id="rId28"/>
+    <p:sldId id="270" r:id="rId29"/>
+    <p:sldId id="271" r:id="rId30"/>
+    <p:sldId id="272" r:id="rId31"/>
+    <p:sldId id="273" r:id="rId32"/>
+    <p:sldId id="274" r:id="rId33"/>
+    <p:sldId id="281" r:id="rId34"/>
   </p:sldIdLst>
   <p:sldSz cx="9144000" cy="5143500" type="screen16x9"/>
   <p:notesSz cx="6858000" cy="9144000"/>
   <p:embeddedFontLst>
     <p:embeddedFont>
       <p:font typeface="Calibri" panose="020F0502020204030204" pitchFamily="34" charset="0"/>
-      <p:regular r:id="rId35"/>
-      <p:bold r:id="rId36"/>
-      <p:italic r:id="rId37"/>
-      <p:boldItalic r:id="rId38"/>
+      <p:regular r:id="rId36"/>
+      <p:bold r:id="rId37"/>
+      <p:italic r:id="rId38"/>
+      <p:boldItalic r:id="rId39"/>
     </p:embeddedFont>
     <p:embeddedFont>
       <p:font typeface="Cambria Math" panose="02040503050406030204" pitchFamily="18" charset="0"/>
-      <p:regular r:id="rId39"/>
+      <p:regular r:id="rId40"/>
     </p:embeddedFont>
     <p:embeddedFont>
       <p:font typeface="Cascadia Code" panose="020B0609020000020004" pitchFamily="49" charset="0"/>
-      <p:regular r:id="rId40"/>
-      <p:bold r:id="rId41"/>
+      <p:regular r:id="rId41"/>
+      <p:bold r:id="rId42"/>
     </p:embeddedFont>
     <p:embeddedFont>
       <p:font typeface="Consolas" panose="020B0609020204030204" pitchFamily="49" charset="0"/>
-      <p:regular r:id="rId42"/>
-      <p:bold r:id="rId43"/>
-      <p:italic r:id="rId44"/>
-      <p:boldItalic r:id="rId45"/>
+      <p:regular r:id="rId43"/>
+      <p:bold r:id="rId44"/>
+      <p:italic r:id="rId45"/>
+      <p:boldItalic r:id="rId46"/>
     </p:embeddedFont>
     <p:embeddedFont>
       <p:font typeface="Roboto" panose="020B0604020202020204" charset="0"/>
-      <p:regular r:id="rId46"/>
-      <p:bold r:id="rId47"/>
-      <p:italic r:id="rId48"/>
-      <p:boldItalic r:id="rId49"/>
+      <p:regular r:id="rId47"/>
+      <p:bold r:id="rId48"/>
+      <p:italic r:id="rId49"/>
+      <p:boldItalic r:id="rId50"/>
     </p:embeddedFont>
   </p:embeddedFontLst>
   <p:defaultTextStyle>
@@ -321,216 +322,6 @@
     </p:ext>
   </p:extLst>
 </p:presentation>
-</file>
-
-<file path=ppt/ink/ink1.xml><?xml version="1.0" encoding="utf-8"?>
-<inkml:ink xmlns:inkml="http://www.w3.org/2003/InkML">
-  <inkml:definitions>
-    <inkml:context xml:id="ctx0">
-      <inkml:inkSource xml:id="inkSrc0">
-        <inkml:traceFormat>
-          <inkml:channel name="X" type="integer" max="3440" units="cm"/>
-          <inkml:channel name="Y" type="integer" max="1440" units="cm"/>
-          <inkml:channel name="T" type="integer" max="2.14748E9" units="dev"/>
-        </inkml:traceFormat>
-        <inkml:channelProperties>
-          <inkml:channelProperty channel="X" name="resolution" value="43.10777" units="1/cm"/>
-          <inkml:channelProperty channel="Y" name="resolution" value="42.98507" units="1/cm"/>
-          <inkml:channelProperty channel="T" name="resolution" value="1" units="1/dev"/>
-        </inkml:channelProperties>
-      </inkml:inkSource>
-      <inkml:timestamp xml:id="ts0" timeString="2020-03-24T14:00:57.823"/>
-    </inkml:context>
-    <inkml:brush xml:id="br0">
-      <inkml:brushProperty name="width" value="0.08819" units="cm"/>
-      <inkml:brushProperty name="height" value="0.35278" units="cm"/>
-      <inkml:brushProperty name="color" value="#FFFF00"/>
-      <inkml:brushProperty name="tip" value="rectangle"/>
-      <inkml:brushProperty name="rasterOp" value="maskPen"/>
-    </inkml:brush>
-  </inkml:definitions>
-  <inkml:trace contextRef="#ctx0" brushRef="#br0">367 11668 0,'10'0'0,"-10"-10"0,10 10 0,0 0 15,0 0-15,0 0 0,0 0 16,-10-10-16,10 10 0,0 0 0,-1 0 0,11 0 16,-10 0-16,0 0 0,0 0 0,0 0 0,0 0 15,0 0-15,0 0 0,0 0 0,0 0 0,9 0 0,1 0 16,-10 0-16,0 0 0,50 0 0,-11 0 0,31 0 15,-31 0-15,-19 0 0,-10 0 0,20 0 0,-11 0 0,1 0 0,0 0 16,0 0-16,9 0 0,-9 0 0,0 0 0,0 0 0,-1 0 0,-9 0 16,20 0-16,-10 0 0,-1 0 0,1 0 0,-10 0 0,10 0 0,0 0 0,9 0 15,-29 0-15,20 0 0,-10 0 0,0 0 0,19 0 0,-29 0 0,30 10 16,0-10-16,-1 0 0,11 0 16,-30 10-16,-10-10 0,10 0 0,-11 0 0,11 0 0,-10 0 0,10 0 15,-10 0-15,30 0 0,-30 10 0,9-10 0,21 0 16,-10 0-16,-10 0 0,29 0 0,11 10 0,9-10 15,-39 0-15,10 0 0,-1 0 0,1 0 0,-10 0 0,29 20 0,-9-20 0,-20 0 16,29 0-16,-9 0 0,-10 0 0,9 0 0,-9 0 0,10 0 0,-11 0 0,-9 0 16,20 0-16,-11 0 0,-9 0 0,20 0 0,-21 0 0,1 0 0,40 10 15,-41-10-15,-9 0 0,10 0 0,-10 0 0,0 0 0,19 0 16,-19 0-16,0 0 0,-10 0 0,20 0 0,-20 0 16,0 0-16,9 0 0,-9 0 0,0 0 0,10 0 0,-10 0 0,0 0 15,0 0-15,0 0 0,10 0 0,0 0 0,-1 0 0,1 0 0,0 0 0,0 0 16,10 0-16,29 0 0,1 0 0,-30 0 0,-1 0 15,-9 0-15,20 0 0,-10 0 0,-11 0 0,11 0 0,-10 0 0,10 0 0,0 0 16,-1 0-16,-9 0 0,30 0 0,-30 0 0,29 0 0,-29 0 16,0 0-16,20 0 0,-21 0 0,1 0 0,0 0 0,0 0 0,0 0 15,-10 0-15,10 10 0,9-10 0,1 0 0,-10 0 16,10 0-16,-20 0 0,10 0 0,-11 0 0,1 0 16,30 0-16,-20 0 0,-10 0 0,39 0 0,-19 0 15,10 0-15,9 0 0,-29 0 0,0 0 0,10 0 0,-10 0 16,59 0-16,-59 0 0,0 0 0,10 0 0,-11 0 0,11 0 15,-10 0-15,0 0 0,10 0 0,-11 0 0,11 0 0,-10 0 0,0 0 0,10 0 16,9 0-16,-9 0 0,-10 0 0,0 0 0,10 0 0,-11 0 16,1 0-16,20 0 0,-30 0 0,10 0 0,0 0 0,-1 0 0,21 0 0,-20 0 15,0 0-15,39 0 0,-39 0 0,0 0 0,20-10 16,-20 10-16,-1 0 0,1 0 0,0 0 0,-10 0 0,20 0 16,-20 0-16,49 0 0,-39 0 0,30 0 0,-11 0 15,11 0-15,-30 0 0,10 0 0,-11 0 0,11 0 0,-10 0 16,10 0-16,0 0 0,-11 0 0,51-10 0,-50 10 0,9 0 0,-9 0 0,10 0 15,-10 0-15,0 0 0,10 0 0,-1 0 0,-9 0 0,10 0 0,-10 0 0,0 0 16,-1 0-16,11 0 0,-10 0 0,-10 0 0,20 0 0,-20 0 0,10 0 16,-11 0-16,1-10 0,20 10 0,-10 0 0,-10 0 0,0 0 15,0 0-15,10 0 0,-10 0 0,9 0 0,-9 0 0,10 0 0,-10 0 16,10 0-16,10 0 0,9 0 0,-19 0 0,20 0 16,-20 0-16,9 0 0,21 0 0,-40 0 0,20 0 15,-10 0-15,19 0 0,1 0 0,-10 0 16,-20 0-16,10 0 0,-1 0 0,1 0 0,-10 0 0,20 0 0,-10 0 0,-10 0 15,19 0-15,-29 10 0,20-10 0,-10 0 0,10 0 0,0 0 0,-10 0 0,0 0 16,0 0-16,0 0 0,-1 0 0,1 0 0,0 0 0,0 0 0,0 0 16,0 0-16,0 0 0,0 0 0,10 0 0,-10 0 15,0 0-15,29 0 0,-29 0 0,0 0 16,0 0-16,0 0 0,10 0 0,-10 0 0,0 0 0,19 0 0,11 0 16,-20 10-16,10-10 0,-10 0 0,-10 0 15,19 10-15,-19-10 0,0 0 0,20 0 0,-10 0 0,-10 0 16,10 0-16,-11 0 0,1 0 0,10 0 0,-10 0 0,10 10 0,-10-10 0,0 0 15,10 0-15,-10 0 0,9 0 0,1 0 0,0 0 0,0 0 0,-10 0 16,10 0-16,-10 0 0,9 0 0,-9 0 0,10 0 0,-10 0 16,10 0-16,0 0 0,-10 0 0,10 0 0,-10 0 0,49 0 15,-39 0-15,-10 0 0,10 0 0,-10 0 0,9 0 16,1-10-16,0 10 0,-10 0 0,0 0 0,20 0 0,0-10 16,-11 10-16,11 0 0,-20-10 15,0 10-15,0 0 0,0 0 0,10 0 0,-10 0 0,-1 0 16,11-10-16,-10 10 0,0 0 0,0 0 0,0 0 0,0 0 0,0 0 15,0 0-15,0 0 0,0 0 0,-10-10 0</inkml:trace>
-</inkml:ink>
-</file>
-
-<file path=ppt/ink/ink2.xml><?xml version="1.0" encoding="utf-8"?>
-<inkml:ink xmlns:inkml="http://www.w3.org/2003/InkML">
-  <inkml:definitions>
-    <inkml:context xml:id="ctx0">
-      <inkml:inkSource xml:id="inkSrc0">
-        <inkml:traceFormat>
-          <inkml:channel name="X" type="integer" max="3440" units="cm"/>
-          <inkml:channel name="Y" type="integer" max="1440" units="cm"/>
-          <inkml:channel name="T" type="integer" max="2.14748E9" units="dev"/>
-        </inkml:traceFormat>
-        <inkml:channelProperties>
-          <inkml:channelProperty channel="X" name="resolution" value="43.10777" units="1/cm"/>
-          <inkml:channelProperty channel="Y" name="resolution" value="42.98507" units="1/cm"/>
-          <inkml:channelProperty channel="T" name="resolution" value="1" units="1/dev"/>
-        </inkml:channelProperties>
-      </inkml:inkSource>
-      <inkml:timestamp xml:id="ts0" timeString="2020-03-24T14:01:02.366"/>
-    </inkml:context>
-    <inkml:brush xml:id="br0">
-      <inkml:brushProperty name="width" value="0.08819" units="cm"/>
-      <inkml:brushProperty name="height" value="0.35278" units="cm"/>
-      <inkml:brushProperty name="color" value="#FFFF00"/>
-      <inkml:brushProperty name="tip" value="rectangle"/>
-      <inkml:brushProperty name="rasterOp" value="maskPen"/>
-    </inkml:brush>
-  </inkml:definitions>
-  <inkml:trace contextRef="#ctx0" brushRef="#br0">417 11410 0,'10'0'31,"0"0"-31,0 0 0,9 0 16,-9 0-16,0 0 0,10 0 0,20 0 0,-20 0 15,9 0-15,-9 0 0,0 0 0,50 0 16,-31 0-16,-29 0 0,99 0 0,-39 0 0,-31 0 0,-9 0 15,10 0-15,0 0 0,-11 0 0,21 0 0,9 0 0,-9 0 0,-20 0 16,0 0-16,49 0 0,-49 0 0,-1 0 0,21 0 16,20 0-16,-51 0 0,1 0 0,20 0 0,-10 0 15,-20 0-15,0 0 0,-1 0 0,1 0 32,0 0-17,0 0-15,20 0 0,-20 0 16,0 0-16,0 0 0,10 0 0,-1 0 0,1 0 0,0 0 0,-10 0 0,30 0 15,-20 10-15,-1-10 0,1 0 0,10 0 0,0 0 0,-10 0 0,39 10 16,-39-10-16,30 0 0,19 10 0,-19-10 16,-1 0-16,1 10 0,9-10 0,11 10 15,-60 0-15,10-10 0,9 0 16,-19 0-16,10 0 0,-10 0 0,0 10 0,0-10 0,0 0 0,20 10 16,-11-10-16,-9 0 0,30 9 15,-10-9-15,-10 0 0,0 0 16,-1 0-16,1 0 0,-10 0 0,10 0 0,-10 10 0,0-10 0,0 0 15,0 0-15,10 0 0,-11 0 0,11 0 0,-10 0 0,10 10 0,0-10 16,-10 0-16,10 0 0,-10 0 0,0 0 0,-1 0 0,11 0 16,-10 0-16,0 0 0,0 10 0,10-10 0,-10 0 0,10 0 15,0 0-15,-1 0 0,-9 0 0,30 0 16,-30 0-16,0 0 0,10 0 0,-10 0 0,9 0 0,-9 0 0,0 0 0,10 0 16,0 0-16,0 0 0,-10 0 0,19 0 0,-9 0 0,0 0 0,30 0 15,-40 0-15,49 0 0,-19 0 16,-20 0-16,10 0 0,-21 0 0,11 0 0,0 0 0,0 10 0,-10-10 15,10 0-15,10 0 0,-11 0 0,1 0 0,-20 10 0,30-10 16,-20 0-16,10 0 0,-10 0 0,9 10 0,1-10 0,-10 0 16,30 10-16,-20-10 15,-10 0-15,0 10 0,0-10 16,-1 0 31,1 0-47,0 0 15,0 0-15,30 0 0,-20 0 16,0 0-16,-1 0 0,-9 0 0,0 0 16,0 0-16,10 0 0,-10 0 0,10 0 0,-10 0 0,0 0 0,0 0 0,9 0 15,-9 0-15,0 0 0,10 0 0,-10 0 0,0 0 0,0 0 0,0 0 16,0 0-16,10 0 0,-10 0 0,-1 0 0,1 0 0,0 0 0,0 0 16,0 0-16,0 0 0,0 0 0,0 0 0,0 0 0,0 0 0,0 0 15,19 0-15,-9 10 0,0-10 0,0 0 16,-10 0-16,10 10 0,0-10 0,-11 0 0,11 0 0,0 10 15,20-10-15,-10 10 0,29-10 0,1 9 16,-40-9-16,9 10 0,-9-10 0,0 0 16,0 0-16,0 0 0,0 10 0,-1-10 0,1 0 0,0 0 0,0 0 0,0 10 15,-10-10-15,9 0 0,1 0 0,0 0 0,0 0 0,-10 0 16,0 0-16,0 0 0,0 0 0,0 0 47,0 0-47,-1 0 0,1 0 15,0 0-15,10 0 0,0 0 0,-10 0 16,10 0-16,-10 0 0,19 10 0,-9-10 0,0 0 0,-10 0 16,10 0-16,-10 0 0,10 0 0,0 0 0,-11 0 0,21 0 15,-10 0-15,-10 0 0,10 0 0,0 0 0,-10 0 16,0 0-16,-1 0 0,11 0 0,0 0 0,-10 0 16,0 0-16,0 0 0,0 0 0,0 0 15,0 0-15,0 0 0,0 0 16,-1 0-16,1 0 0,0 0 0,0 0 0,0 0 0,0 0 15,0 0-15,0 0 0,0 0 0,0 0 0,0-10 0,9 10 0,-9 0 16,10 0-16,0 0 0,30 0 0,-11 0 16,21 0-16,-30 0 0,9 0 0,-19 0 0,0 0 15,0 0-15,10 0 0,-10 0 0,-11 0 0,11 0 0,0 0 0,-10 0 0,30 0 16,-30 0-16,19 0 0,-9 0 0,-10 0 16,40 10-16,-40-10 0,10 0 0,9 0 0,-9 0 15,-10 0-15,0 0 0,0 0 0,10 0 0,-10 0 0,0 0 16,0 0-16,-1 0 0,1 0 0,0 0 0,0 0 0,0 0 0,0 0 0,0 0 15,0 0-15,0 0 0,0 0 0,0 0 0,0 0 0,0 0 16,-1 0-16,1 0 0,0 0 16,0 0-16,0 0 0,0 0 0,0 0 0,0 0 0,0 0 15,10 0-15,-10 0 0,19 0 0,1 0 16,-10 0-16,10 0 0,-10 0 0,9 0 16,21 0-16,-30-10 0,-10 10 0,39 0 0,-29 0 15,0 0-15,0 0 0,0 0 0,0 0 0,-1 0 0,1-10 0,0 10 0,0 0 16,0 0-16,79 0 0,-39-10 15,29-9-15,-40 19 0,-29 0 16,60-10-16,-1 10 0,-19 0 16,-11 0-16,11 0 0,-21 0 0,51 0 15,-70 0-15,49 0 0,-39 0 0,0 0 0,-1 0 16,-9 0-16,20 0 0,-30 0 0,29 0 0,-9 0 0,-10 0 0,10 0 0,-10-10 16,-1 10-16,11 0 0,-20 0 0,40 0 0,-20 0 0,-11-10 15,-9 10-15,0 0 0,10 0 0,-10 0 0,0 0 0,10-10 0,-10 10 0,0 0 16,0 0-16,39-10 0,-39 10 15,0 0-15,0-10 0,10 10 0,-10 0 0,0-10 16,-1 10-16,11 0 0,-10 0 0,10-10 16,10 10-16,-20 0 0,0 0 0,0 0 15,9-10-15,-9 10 0,0 0 0,0 0 0,0 0 0,0 0 16,0 0-16,10 0 0,-10 0 0,0 0 0,-10-10 0,10 10 0,0 0 0,-1 0 16,1 0-16,0 0 0,0 0 0,0 0 0,10 0 0,-10 0 15,0 0-15,0 0 0,0 0 0,10-10 16,-11 10-16,1 0 0,-10-10 140,0 1-61,0-1-79,0-10 15,0 10-15,0 0 0,0 0 0,0 0 16,0 0-16,0 0 0,0 0 15,0 0-15,0 0 0,0 1 0,0-1 16,0 0 0,-10 10-16,10-10 0,-9 10 0,-1 0 15,10-10-15,-10 10 16,0 0 15,0 0-15,10-10-16,-10 10 0,0 0 0,0 0 15,0 0-15,10-10 0,-10 10 0,0 0 16,0 0-16,0 0 16,1 0-16,-1 0 15,0 0-15,0 0 16,0 0-16,0 0 0,0 0 0,0 0 0,0 0 0,0 0 16,0 0-16,0 0 0,0 0 0,1 0 0,-11 0 0,10 0 0,0 0 15,-10 0-15,0 0 0,-10 0 0,20 0 0,-9 0 16,-1 0-16,0 0 0,10 0 0,-10 0 0,10 10 15,0-10-15,-9 0 0,-1 0 0,10 0 0,0 0 0,0 0 16,0 0-16,0 10 0,0-10 0,0 0 0,0 0 0,-10 0 16,11 0-16,-1 0 0,-20 0 0,10 0 15,-10 10-15,10-10 0,1 0 0,9 0 0,0 0 16,-10 0-16,10 0 0,0 0 0,0 0 0,0 0 0,-10 0 0,-9 0 16,19 0-16,0 0 0,-10 0 0,0 0 0,10 0 0,-10 0 15,10 0-15,-19 0 0,19 0 0,-20 0 16,10 10-16,10-10 0,0 0 15,0 0-15,0 0 0,10 10 0,-10-10 16,1 0-16,-1 0 0,0 0 0,0 0 16,0 0-16,0 0 0,0 0 0,0 0 15,10 10-15,-10-10 0,0 0 0,0 0 0,0 0 0,10 9 0,-10-9 16,1 0-16,-1 0 0,0 0 0,-4128 0 0,8246 0 0,-4138 10 16,20-10-16,-20 0 0,21 0 15,-31 0-15,20 0 0,-10 10 0,20-10 16,-19 0-16,9 0 0,-30 10 15,30-10-15,10 0 0,0 0 0,-9 0 0,9 0 0,0 0 0,0 10 0,-10-10 16,10 0-16,0 0 0,0 0 0,0 0 0,0 0 16,0 0-16,1 0 0,-11 0 0,10 0 0,0 0 0,0 0 15,0 0-15,0 0 0,-10 0 0,10 0 0,-10 10 0,1-10 16,-1 0-16,-30 10 0,30-10 0,0 0 16,1 0-16,-1 10 0,0-10 0,0 10 0,-39-10 15,29 0-15,10 10 0,0-10 16,10 0-16,0 0 0,0 0 0,0 0 0,1 0 0,-1 0 15,0 0-15,0 0 0,0 0 0,0 0 0,0 0 0,0 0 16,0 0-16,0 0 0,0 0 0,0 0 0,0 0 16,1 0-16,-1 0 0,-10 0 0,10 0 0,0 0 15,0 0-15,-20 0 0,20 0 0,-19 0 16,19 0-16,-20 0 0,10 0 0,10 0 0,-10 0 16,10 0-16,-10 0 0,1 0 0,-11 0 0,0 0 15,-10 0-15,11 0 0,-1 0 16,20 0-16,-20 0 0,20 0 0,0 0 0,-10 0 0,11 10 15,-11-10-15,10 0 0,0 0 0,0 0 0,0 0 0,0 0 16,0 0-16,0 0 0,0 0 0,0 0 31,1 0-15,-1 0-16,0 0 0,0 0 0,0 0 0,0 0 16,0 0-16,-10 0 0,10 10 0,-20-10 15,11 0-15,-11 0 0,10 0 0,10 0 0,0 0 0,0 0 16,-10 0-16,10 0 0,-9 0 0,9 10 0,-20-10 0,20 0 15,0 0-15,0 0 0,0 0 0,0 0 0,-10 0 0,11 0 0,-11 0 16,-10 0-16,10 0 16,10 0-16,-10 0 0,1 0 0,9 0 0,-10 0 15,0 0-15,10 0 0,-30 0 16,-9 0-16,29 9 0,0-9 0,10 0 0,0 0 0,-30 0 16,21 0-16,-1 0 0,10 0 0,-30 0 0,10 0 0,11 0 0,-21 0 15,20 0-15,-10 0 0,10 0 0,-9 0 0,9 0 0,-10 0 0,0 0 0,10 0 16,-9 0-16,9 0 0,-10 0 0,10 0 0,-19 0 0,29 0 0,-10 0 15,0 0-15,0 0 0,-20 0 0,11 0 0,-1 0 16,0 0-16,20 0 0,-10-9 0,10 9 16,0 0-16,-9-10 0,-1 10 0,0-10 15,10 0-15,-30 10 0,1 0 16,29 0-16,-10-10 0,0 10 0,0 0 0,0-10 0,1 10 0,-1 0 0,10 0 16,-20 0-16,10-10 0,0 10 0,0 0 0,-19 0 0,19-10 15,0 10-15,-10 0 0,10 0 0,1 0 0,-1-10 0,0 10 0,-10 0 0,20 0 16,0 0-16,-10 0 0,1 0 0,-1 0 0,-30-10 0,1 10 15,29 0-15,0 0 0,10 0 0,0 0 0,-10 0 16,10 0-16,0-10 0,0 10 0,-9 0 0,-11 0 0,20 0 16,-30-10-16,10 10 0,11 0 0,-21 0 15,0-10-15,-9 10 0,29 0 0,-20-9 16,10 9-16,10 0 0,-19 0 0,9 0 0,10-10 0,0 10 0,-9 0 0,9 0 16,-10 0-16,10 0 0,-10 0 0,11 0 0,-11 0 0,10 0 0,-10 0 0,10 0 15,0 0-15,1 0 0,-11 0 0,10 0 0,0 0 0,-20 0 16,21 0-16,-31 0 0,10 0 0,1 0 15,19 0-15,10 0 0,-10 0 0,10 0 0,0 0 0,0 0 0,-20 0 16,11 0-16,9 0 0,-10 0 0,-40 0 16,31 0-16,9 0 0,-10 0 0,0 0 15,-19 0-15,29 0 0,10 0 0,-10 0 0,0 0 0,10 0 16,0 0-16,0 0 0,0 0 0,-19 0 0,19 0 0,-10 0 0,10 0 0,0 0 16,-10 0-16,-10 0 0,-9 0 0,19 0 0,10 0 0,0 0 15,-10 0-15,0 0 0,10 0 0,-9 0 0,-1 0 0,0 0 0,-20 0 16,20 0-16,-49-10 0,49 10 15,0 0-15,0 0 0,1 0 0,-1 0 0,0-10 0,0 10 0,0 0 16,-10 0-16,-9 0 0,9 0 0,0-10 16,10 10-16,10 0 0,1 0 0,-1 0 0,0 0 0,0 0 0,-10 0 15,10 0-15,0 0 0,-10 0 0,10 0 0,0 0 0,0 0 16,1 0-16,9-10 0,-10 10 0,0 0 0,-10 0 0,10 0 0,0 0 0,0 0 16,-10 0-16,10 0 0,0 0 0,0-10 0,-9 10 15,-1 0-15,0 0 0,10 0 0,-20 0 0,20 0 16,-9 0-16,9 0 0,-10 0 0,0 0 0,10 0 0,-10 0 15,0 0-15,0 0 0,11 0 0,-1 0 0,-10 0 0,10 0 0,-10 0 0,-10 0 16,20 0-16,-29 0 0,9 0 16,10 10-16,0-10 0,10 0 0,0 0 0,0 0 0,0 0 15,1 0-15,-1 0 0,0 0 16,0 0-16,0 10 0,0-10 0,0 0 16,0 0-16,0 0 0,0 0 0,0 0 15,0 0-15,1 0 0,-1 0 16,0 0-16,0 0 15,0 0 1,0 0 0,0 0-16,-20 0 0,20 0 15,0 0-15,-9 0 0,-1 0 0,10 0 0,-10 0 16,0 0-16,10 10 0,0-10 0,0 0 0,0 0 0,0 0 0,-9 0 16,9 0-16,0 0 0,0 0 0,-10 0 0,0 0 0,0 0 15,10 0-15,0 10 16,1-10-16,-1 0 15,0 10 1,0-10-16,10 10 0,-10-10 16,-20 0-16,10 9 15</inkml:trace>
-</inkml:ink>
-</file>
-
-<file path=ppt/ink/ink3.xml><?xml version="1.0" encoding="utf-8"?>
-<inkml:ink xmlns:inkml="http://www.w3.org/2003/InkML">
-  <inkml:definitions>
-    <inkml:context xml:id="ctx0">
-      <inkml:inkSource xml:id="inkSrc0">
-        <inkml:traceFormat>
-          <inkml:channel name="X" type="integer" max="3440" units="cm"/>
-          <inkml:channel name="Y" type="integer" max="1440" units="cm"/>
-          <inkml:channel name="T" type="integer" max="2.14748E9" units="dev"/>
-        </inkml:traceFormat>
-        <inkml:channelProperties>
-          <inkml:channelProperty channel="X" name="resolution" value="43.10777" units="1/cm"/>
-          <inkml:channelProperty channel="Y" name="resolution" value="42.98507" units="1/cm"/>
-          <inkml:channelProperty channel="T" name="resolution" value="1" units="1/dev"/>
-        </inkml:channelProperties>
-      </inkml:inkSource>
-      <inkml:timestamp xml:id="ts0" timeString="2020-03-24T14:01:04.806"/>
-    </inkml:context>
-    <inkml:brush xml:id="br0">
-      <inkml:brushProperty name="width" value="0.08819" units="cm"/>
-      <inkml:brushProperty name="height" value="0.35278" units="cm"/>
-      <inkml:brushProperty name="color" value="#FFFF00"/>
-      <inkml:brushProperty name="tip" value="rectangle"/>
-      <inkml:brushProperty name="rasterOp" value="maskPen"/>
-    </inkml:brush>
-  </inkml:definitions>
-  <inkml:trace contextRef="#ctx0" brushRef="#br0">397 11916 0,'10'0'0,"0"0"16,10 0-16,-4128 0 0,8235 0 0,-4117 0 0,0 0 15,0 0-15,0 0 0,0 0 0,0 0 0,10 0 16,-10 0-16,0 0 0,10 0 0,-11 0 0,11 0 16,10 0-16,-20 0 0,0 0 0,10 0 0,-10 0 0,29 0 15,-19 0-15,0 0 0,0 0 0,0 0 0,0 0 0,-10 0 0,9 0 0,1 0 16,0 0-16,30 0 0,-11 0 0,-19 10 0,10-10 15,79 20-15,-39-20 0,39 10 16,-10-10-16,70 10 16,-90 0-16,-10-10 0,-29 0 15,-10 0-15,10 0 0,-1 0 0,11 0 0,-20 0 0,-1 0 0,11 0 0,39 0 16,-49 0-16,20 0 0,-20 0 0,-1 0 0,21 0 0,-20 0 0,29 0 16,-19 0-16,-10 0 0,-10 0 0,39-10 0,-29 10 0,39 0 15,-39 0-15,-10-10 0,0 10 0,79 0 16,-79-10-16,19 10 0,21-10 0,-40 10 0,29 0 15,1 0-15,-20 0 0,10-10 16,-1 10-16,-19 0 0,30 0 0,-30 0 16,9 0-16,11 0 0,-20 0 0,0 0 0,9 0 0,-9 0 0,10 0 15,0 0-15,0 0 0,-1 0 0,11 0 0,-10 0 0,0 0 0,-1 0 16,1 0-16,49 0 0,-49 0 0,10 0 0,0 0 0,-11 0 0,21 0 0,-20 0 16,29 0-16,-19 0 0,-10 0 0,-1 0 0,1 0 0,40 0 15,-21 0-15,-19 0 0,-10 0 0,49 0 16,-29 0-16,49 0 0,-49 0 15,-20 0-15,20 10 0,-1-10 0,11 0 16,-1 0-16,-19 0 0,10 0 16,0 0-16,-11 0 0,1 0 0,-20 0 15,30 0-15,-10 0 0,-11 0 0,-9 0 0,0 0 0,20 10 16,-20-10-16,10 0 0,0 0 0,-10 0 0,19 0 0,-19 0 0,10 0 0,0 0 16,0 0-16,49 10 0,-29-10 0,49 10 15,-59-10-15,-10 10 0,19-10 0,21 0 16,-10 0-16,9 10 15,-39-10-15,0 0 0,59 0 0,-69 0 0,10 10 16,-10-10-16,30 0 0,-21 0 0,1 0 0,0 0 0,0 0 16,0 0-16,0 0 0,-1 0 0,1 0 0,0 0 0,10 0 0,-10 0 15,0 0-15,-1 0 0,21 0 0,20 0 16,-31 0-16,11 9 0,10-9 0,-11 0 0,-19 0 0,0 0 16,0 0-16,-10 0 0,20 0 0,9 0 0,-29 0 15,10 0-15,0 0 0,0 10 0,-10-10 0,19 0 16,11 0-16,-20 10 0,-10-10 0,10 0 0,-10 0 0,0 0 0,9 0 15,11 10-15,-20-10 0,30 0 0,0 0 16,-1 0-16,-29 0 0,0 0 0,30 0 0,-30 0 16,0 10-16,9-10 0,1 0 0,10 0 0,-10 0 0,20 0 0,-21 0 15,-9 0-15,30 0 0,-20 0 0,-10 0 0,29 0 0,-19 0 0,0 0 0,10 0 16,0 0-16,-10 0 0,-1 0 0,11 0 0,0 0 0,-10 0 0,0 10 0,49-10 16,-59 0-16,30 0 0,9 10 0,11 0 15,-30-10-15,-1 10 0,-9-10 0,0 0 0,30 20 0,-31-20 16,1 0-16,20 10 0,0-10 0,-20 0 0,9 10 0,-19-10 15,0 0-15,0 0 0,0 0 0,10 0 0,-10 0 16,0 0-16,0 0 16,0 0-16,-1 0 0,1 0 15,0 0-15,0 0 0,0 0 0,0 0 0,0 0 16,0 0-16,0-10 0,10 10 0,-10 0 16,9 0-16,-9 0 0,0 0 0,0 0 0,0 0 0,0 0 0,0 0 15,0 0-15,0 0 0,0 0 0,10 0 0,-10 0 0,-1-10 0,11 10 16,-10 0-16,10 0 0,0 0 0,20 0 0,-31 0 15,11 0-15,10 0 0,0 0 0,-20 0 0,10 0 16,19 0-16,-29 0 0,0 0 0,0 0 0,0 0 16,0 0-16,0 0 0,0 0 0,0 0 0,0 0 0,0 0 0,9 0 15,11 10-15,0-10 0,-20 0 16,0 10-16,10-10 0,9 0 0,-19 0 0,20 0 16,10 9-16,-20-9 0,-11 0 15,11 0-15,-10 0 0,0 0 0,0 10 0,0-10 0,0 0 0,0 0 16,0 0-16,0 0 0,0 0 0,0 0 0,-1 0 15,11 0-15,0 0 0,-10 0 16,0 0-16,0 0 0,0 0 16,0 0-16,0 0 15,0 0-15,0 0 16,-1 0-16,1 0 47,0 0-47,0 0 109,0 0-109,0 0 0,0 0 16,0 0-16,0 0 0,0 0 15,0 0-15,0 0 16,0 0-16,-1-10 0,1 10 0,0-9 16,0 9-16,10 0 0,-10 0 0,0 0 15,0 0-15,0-10 0,0 10 0,0 0 16,-20 0 93,0 0-109,0 0 16,0 0 0,10-10-1,0 0 1,0 0-16,0 0 15,0 0-15,0 0 16,0 0-16,0 0 0,0 0 16,0 0-16,0 0 15,0 1-15,0-1 0,0 0 0,0 0 16,0 0-16,0 0 0,0 0 0,0 0 16,0 0-16,0 0 15,-10 10 32,0 0-47,0 0 16,-10 0-16,10 0 0,-9 0 0,-1 0 15,0 0-15,20 10 0,-20-10 0,10 10 0,-10-10 16,0 10-16,1-10 0,-1 10 0,10 0 0,-10-10 0,0 10 0,0-10 0,0 10 0,20 0 16,-59 0-16,29 9 0,0-9 15,10-10-15,1 0 0,-1 0 0,10 10 0,0-10 0,-10 10 0,-39 0 16,49-10-16,-10 0 15,-10 10-15,20-10 0,0 0 0,-10 0 0,10 0 0,10 10 0,-19-10 16,9 0-16,-20 0 0,10 10 0,-10-10 16,1 0-16,-1 10 0,10-10 0,10 0 0,0 0 15,-20 10-15,10-10 0,1 0 0,9 0 0,0 0 16,0 0-16,0 0 0,0 0 0,0 0 0,0 0 0,0 0 16,0 0-16,0 0 0</inkml:trace>
-</inkml:ink>
-</file>
-
-<file path=ppt/ink/ink4.xml><?xml version="1.0" encoding="utf-8"?>
-<inkml:ink xmlns:inkml="http://www.w3.org/2003/InkML">
-  <inkml:definitions>
-    <inkml:context xml:id="ctx0">
-      <inkml:inkSource xml:id="inkSrc0">
-        <inkml:traceFormat>
-          <inkml:channel name="X" type="integer" max="3440" units="cm"/>
-          <inkml:channel name="Y" type="integer" max="1440" units="cm"/>
-          <inkml:channel name="T" type="integer" max="2.14748E9" units="dev"/>
-        </inkml:traceFormat>
-        <inkml:channelProperties>
-          <inkml:channelProperty channel="X" name="resolution" value="43.10777" units="1/cm"/>
-          <inkml:channelProperty channel="Y" name="resolution" value="42.98507" units="1/cm"/>
-          <inkml:channelProperty channel="T" name="resolution" value="1" units="1/dev"/>
-        </inkml:channelProperties>
-      </inkml:inkSource>
-      <inkml:timestamp xml:id="ts0" timeString="2020-03-24T14:01:05.665"/>
-    </inkml:context>
-    <inkml:brush xml:id="br0">
-      <inkml:brushProperty name="width" value="0.08819" units="cm"/>
-      <inkml:brushProperty name="height" value="0.35278" units="cm"/>
-      <inkml:brushProperty name="color" value="#FFFF00"/>
-      <inkml:brushProperty name="tip" value="rectangle"/>
-      <inkml:brushProperty name="rasterOp" value="maskPen"/>
-    </inkml:brush>
-  </inkml:definitions>
-  <inkml:trace contextRef="#ctx0" brushRef="#br0">9565 11966 0,'-10'0'31,"0"0"-31,0 0 0,0 0 0,0 0 0,0 0 0,0 0 15,0 0-15,-19 0 0,9 0 0,10 0 0,-20 0 0,-20 0 16,11 0-16,9 0 0,0 0 0,10 0 0,-19 0 0,29 0 16,-30 0-16,10 0 0,10 0 0,-9 0 0,-1 0 0,10 0 0,-10 0 0,11 0 15,-1 0-15,-10 0 0,10 0 0,0 0 0,0 0 0,1 0 0,-1 0 16,0 0-16,-30 0 0,20 0 16,21 0-16,-11 0 0,10 0 0,0 0 0,-10 0 15,10 0-15,20 0 63,0 0-63,0 0 15,0 0-15,10 0 0,-10 0 0,9 0 0,-9 0 0,10-10 16,0 10-16,0-10 0,0 10 0,-4098-10 0,8205 10 0,-4037-20 16,-51 10-16,11-10 0,19 1 15,-29 19-15,10-20 0,-1 0 16,-29 10-16,-10 10 0,0 0 0,-10-10 0,10 10 0,-10-10 15,10 10-15,-10-10 0,10 10 0,-10-10 0,-10 10 47,0 0-47,0 0 16,0 0-16,0 0 0,0 0 0,0 0 0,-10 0 0,10 0 16,-29 0-16,9 0 0,0 0 0,10 0 0,10 0 15,-19 0-15,9 0 0,-10 0 0,20 0 0,-39 0 0,-11 10 16,40-10-16,0 0 0,1 0 0,9 0 0,-20 10 0,20-10 0,0 0 15,-10 0-15,10 0 0,0 10 0,0-10 0,0 0 0,1 0 16,-1 0-16</inkml:trace>
-</inkml:ink>
-</file>
-
-<file path=ppt/ink/ink5.xml><?xml version="1.0" encoding="utf-8"?>
-<inkml:ink xmlns:inkml="http://www.w3.org/2003/InkML">
-  <inkml:definitions>
-    <inkml:context xml:id="ctx0">
-      <inkml:inkSource xml:id="inkSrc0">
-        <inkml:traceFormat>
-          <inkml:channel name="X" type="integer" max="3440" units="cm"/>
-          <inkml:channel name="Y" type="integer" max="1440" units="cm"/>
-          <inkml:channel name="T" type="integer" max="2.14748E9" units="dev"/>
-        </inkml:traceFormat>
-        <inkml:channelProperties>
-          <inkml:channelProperty channel="X" name="resolution" value="43.10777" units="1/cm"/>
-          <inkml:channelProperty channel="Y" name="resolution" value="42.98507" units="1/cm"/>
-          <inkml:channelProperty channel="T" name="resolution" value="1" units="1/dev"/>
-        </inkml:channelProperties>
-      </inkml:inkSource>
-      <inkml:timestamp xml:id="ts0" timeString="2020-03-24T14:01:13.375"/>
-    </inkml:context>
-    <inkml:brush xml:id="br0">
-      <inkml:brushProperty name="width" value="0.08819" units="cm"/>
-      <inkml:brushProperty name="height" value="0.35278" units="cm"/>
-      <inkml:brushProperty name="color" value="#FFFF00"/>
-      <inkml:brushProperty name="tip" value="rectangle"/>
-      <inkml:brushProperty name="rasterOp" value="maskPen"/>
-    </inkml:brush>
-  </inkml:definitions>
-  <inkml:trace contextRef="#ctx0" brushRef="#br0">387 12075 0,'0'-10'46,"10"10"-46,0 0 16,0 0-16,0 0 16,0 0-16,0 0 0,-1 0 15,-9-10-15,10 10 0,0 0 0,0 0 0,0 0 16,0 0-16,-10-10 0,10 10 0,0 0 16,0 0-16,0-10 0,0 10 0,0 0 0,0-10 15,9 10-15,11 0 16,-20 0-16,0 0 0,0 0 0,0 0 0,0-10 0,0 10 0,10 0 0,-11 0 15,1 0-15,10 0 0,20-10 0,-4138 10 0,8236 0 0,-4099 0 16,1 0-16,10-9 0,-11 9 16,-19 0-16,0 0 0,0 0 0,-10 0 0,10 0 0,-1 0 15,-9 0-15,0 0 0,10 0 0,-10-10 0,0 10 0,0 0 0,0 0 16,0 0-16,0 0 0,0 0 0,-1 0 0,1 0 0,0 0 0,0 0 0,0 0 16,0 0-16,0 0 0,0 0 0,0 0 0,0 0 0,0 0 15,10 0-15,-1 0 0,1 0 0,-10 0 16,0-10-16,0 10 0,0 0 0,0 0 0,0 0 0,0 0 0,0 0 15,19 0-15,-9 0 0,0 0 0,-10 0 0,20 0 0,-20 0 16,19 0-16,31 0 0,-40 0 0,19 0 16,-29 0-16,10 0 0,0 0 0,0 0 0,-10 0 0,0 0 0,0 0 15,10 0-15,-1 0 0,-9 0 0,10 0 0,0 0 0,40 10 16,-51-10-16,1 0 0,10 0 0,-10 0 0,0 0 16,20 10-16,-10-10 0,-10 0 0,19 0 0,-19 0 15,20 9-15,0-9 0,-20 10 0,10-10 16,-11 0-16,1 0 0,0 0 0,0 0 0,10 0 0,0 10 0,-10-10 0,10 0 0,-10 0 15,0 0-15,9 0 0,-9 10 0,10-10 0,-10 0 0,10 0 0,0 0 0,0 10 16,9-10-16,-9 0 0,-10 0 0,10 0 0,-20 10 16,30-10-16,-20 0 0,10 10 0,-11-10 0,21 10 15,-20-10-15,20 0 0,-20 0 0,0 0 0,10 0 0,-11 0 0,11 10 16,0-10-16,-10 0 0,0 0 0,0 0 0,10 0 0,0 0 0,-10 0 16,29 0-16,1 10 0,0-10 15,-30 0-15,9 0 0,1 0 0,10 0 0,10 0 16,-20 0-16,19 0 0,-29 0 0,10 0 0,0 0 0,0 0 15,-20 10-15,20-10 0,-1 0 0,1 0 0,0 0 0,-10 0 0,30 0 16,-30 0-16,9 0 0,61 0 16,-60 0-16,-1 0 0,-9 0 0,10 0 0,-10 0 0,0 0 0,10 0 15,0 0-15,10 0 0,-1 0 16,-19 0-16,20 0 0,-20 0 0,10 0 0,-10 0 0,10 0 0,-11 0 16,11 0-16,0 0 0,0 0 0,0 0 0,10 0 0,-11 0 0,1 0 15,0 0-15,10 0 0,-10 0 0,19 0 0,-19-10 0,10 10 0,-10 0 0,10 0 16,-11 0-16,11 0 0,-10 0 0,10 0 0,-10 0 0,9 0 0,-9 0 15,10 0-15,-10 0 0,0 0 0,10 0 0,29 0 0,-39 0 16,10 0-16,-10 0 0,-1 0 0,61 0 0,-41 0 16,-19 0-16,10 0 0,0 0 0,-10 0 15,9 0-15,-9 0 0,0 0 0,-10 0 0,10 10 0,0-10 16,0 0-16,-11 0 0,11 0 0,0 0 0,0 0 0,0 0 0,-10 0 0,10 0 16,-1 10-16,1-10 0,0 0 0,0 0 0,10 0 0,-10 0 0,-1 0 0,-9 0 15,10 0-15,20 10 0,-20-10 0,0 0 0,9 0 0,100 0 16,-119 0-16,10 0 0,20 0 0,-30 0 15,10 0-15,-1 0 0,1 0 0,10 0 0,-20 0 0,20 0 0,-10 0 0,-1 0 16,1 0-16,50 0 0,-50 0 0,39 9 16,-19-9-16,-10 0 0,9 0 0,1 0 15,-20 10-15,0-10 0,-1 0 0,1 0 0,0 0 0,0 0 0,0 0 16,0 0-16,-1 0 0,-9 0 0,0 0 0,20 0 0,-10 0 0,0 0 0,49 0 16,-59 0-16,10 0 0,69 0 15,-59 0-15,10 0 0,9 0 0,-9 0 16,49-10-16,-49 10 0,10 0 15,-1 0-15,-29-9 0,10 9 0,-10 0 0,0 0 0,9 0 0,-9 0 16,20 0-16,-10 0 0,-11 0 0,1 0 0,0-10 0,0 10 0,0 0 16,10 0-16,-11 0 0,1 0 0,0 0 0,0 0 0,0 0 0,0-10 0,-1 10 15,1 0-15,0 0 0,0 0 0,0 0 0,-10 0 0,10 0 16,-10-10-16,9 10 0,-9 0 0,30-10 0,-20 10 0,0 0 0,0 0 16,19 0-16,-29 0 0,10 0 0,0 0 0,29-20 15,-39 20-15,10-10 0,30 10 0,9-10 16,21 0-16,-41 0 0,-29 10 15,30-10-15,-20 10 0,0 0 0,0-10 0,-1 10 0,1 0 0,0-9 0,20 9 16,9-10-16,-29 10 0,0-10 0,-10 10 16,30 0-16,-20 0 0,-11 0 0,1 0 0,0 0 0,0-10 0,10 10 15,0 0-15,-10 0 0,10-10 0,-10 10 16,19 0-16,-19 0 0,0 0 0,0 0 0,0 0 16,0 0-16,0 0 0,0 0 0,0 0 15,0 0-15,0 0 0,-1 0 0,1 0 16,0 0-16,0 0 0,0 0 0,0 0 0,0 0 0,0 0 0,0 0 15,0 0-15,10 0 0,-10 0 0,9 0 0,-9 0 16,0 0-16,10 0 0,-10 0 0,10 0 0,10 0 16,-1 0-16,1 0 0,0 0 15,-10 0-15,-10 0 0,10 0 16,-11 0-16,1 0 16</inkml:trace>
-</inkml:ink>
-</file>
-
-<file path=ppt/ink/ink6.xml><?xml version="1.0" encoding="utf-8"?>
-<inkml:ink xmlns:inkml="http://www.w3.org/2003/InkML">
-  <inkml:definitions>
-    <inkml:context xml:id="ctx0">
-      <inkml:inkSource xml:id="inkSrc0">
-        <inkml:traceFormat>
-          <inkml:channel name="X" type="integer" max="3440" units="cm"/>
-          <inkml:channel name="Y" type="integer" max="1440" units="cm"/>
-          <inkml:channel name="T" type="integer" max="2.14748E9" units="dev"/>
-        </inkml:traceFormat>
-        <inkml:channelProperties>
-          <inkml:channelProperty channel="X" name="resolution" value="43.10777" units="1/cm"/>
-          <inkml:channelProperty channel="Y" name="resolution" value="42.98507" units="1/cm"/>
-          <inkml:channelProperty channel="T" name="resolution" value="1" units="1/dev"/>
-        </inkml:channelProperties>
-      </inkml:inkSource>
-      <inkml:timestamp xml:id="ts0" timeString="2020-03-24T14:02:35.409"/>
-    </inkml:context>
-    <inkml:brush xml:id="br0">
-      <inkml:brushProperty name="width" value="0.08819" units="cm"/>
-      <inkml:brushProperty name="height" value="0.35278" units="cm"/>
-      <inkml:brushProperty name="color" value="#FFFF00"/>
-      <inkml:brushProperty name="tip" value="rectangle"/>
-      <inkml:brushProperty name="rasterOp" value="maskPen"/>
-    </inkml:brush>
-  </inkml:definitions>
-  <inkml:trace contextRef="#ctx0" brushRef="#br0">10865 6985 0,'9'0'15,"1"0"1,0 0-16,0-10 0,0 10 0,0 0 16,0 0-16,0 0 0,0 0 0,0 0 15,0 0-15,0 0 0,19 0 0,-19 0 0,0 0 16,10 0-16,-10 0 0,0 0 0,0 0 0,49 0 15,90 0 1,-139 0-16,30 0 0,19 10 0,11-10 16,-40 10-16,118 0 0,-98-10 0,29 10 15,50 0-15,70 0 0,-140-10 16,-9 10-16,347 19 16,-199-19-16,-69-10 0,70 0 15,-140 0-15,11 0 0,9 0 0,-39 0 0,19 0 0,1 0 0,69 0 16,-70 0-16,-19 0 0,168 0 15,-168 0-15,20 0 0,9 0 0,10 0 0,1 0 16,9 10-16,-69-10 0,69 0 0,-79 0 0,10 0 16,-10 0-16,10 0 0,0 0 0,-11 0 0,1 0 0,0 0 0,0 0 15,0 0-15,0 0 0,0 0 0,0 0 0,0 0 0,0 0 16,0 0-16,0 0 0,0 0 0,-1 0 16,1 0-16,0 0 0,0 0 0,10 0 15,-10 0-15,0 0 0,0 0 0,0 0 0,0 0 16,0 0-16,0 0 0,-1 0 0,11 0 15,-10 0-15,0 0 0,-10-10 0,0 10 125,-10 0-125,0 0 16,0 0-16,0 0 0,1 0 16,-11 0-16,10 0 0,0 0 15,0 0-15,0 0 0,0 0 0,0 0 16,0 0-16,0 0 0,0 0 0,-9 0 16,-1 0-16,10 0 0,0 0 0,0 0 0,-10 0 0,10 0 0,-10 0 15,10 0-15,-19 10 0,9-10 0,0 0 0,0 0 0,0 0 0,-10 10 16,11-10-16,-81 20 0,51-20 0,-11 0 15,-29 10-15,59 0 0,0-10 0,-9 10 0,19-10 16,-79 10-16,49-10 0,-19 10 16,59-10-16,-10 9 0,10-9 0,0 0 0,0 0 15,0 0-15,0 0 0,0 0 0,0 0 0,0 0 0,1 0 0,-1 0 16,0 0-16,0 0 0,0 0 0,0 0 0,0 0 0,0 0 16,0 0-16,-29 10 0,29-10 0,-30 0 15,-10 0-15,30 0 0,-49 0 0,49 10 16,-20-10-16,11 0 0,-41 0 0,50 0 0,-9 10 0,9-10 15,0 0-15,-10 0 0,10 0 0,0 0 0,1 10 0,-1-10 0,0 0 0,-20 0 16,1 0-16,9 0 0,10 0 0,-10 0 16,0 0-16,1 0 0,19 0 0,-10 0 0,0 0 0,10 0 15,-10 0-15,10 0 0,0 0 0,-9 0 0,9 0 0,-20 0 0,10 0 16,10 0-16,-10 0 0,10 0 0,-9 0 0,-1 0 16,0 0-16,10 0 0,-10 0 0,10 0 0,0 0 15,-10 0-15,10 0 0,1 0 0,-1 0 0,0 0 16,0 10-16,0-10 0,0 0 0,0 0 0,0 0 15,0 0-15,0 0 0,0 0 0,-9 10 0,-1-10 0,10 0 0,0 0 16,0 0-16,-10 0 0,10 0 0,-10 10 0,0-10 0,11 0 0,-1 0 16,0 0-16,-10 0 0,0 0 0,10 10 0,0-10 15,0 0-15,-10 10 0,10-10 0,-9 0 16,19 10-16,-10-10 0,0 0 0,0 0 0,10 10 0,-10-10 0,0 0 0,0 0 16,0 9-16,0-9 0,0 0 0,10 10 15,-10-10-15,0 0 0,1 0 0,-1 0 0,0 0 16,0 0-16,10 10 0,-10-10 0,0 0 0,0 0 15,0 0-15,0 0 0,0 0 0,0 0 0,-19 0 16,19 0-16,-20 0 16,20 0-16,0 0 0,0 0 0,0 0 0,-20 0 15,11 0-15,9 0 0,0 0 0,0 0 0,0 0 16,0 0-16,0 0 0,0 0 0,0 0 16,-10 0-16,10 0 0,1 0 0,-1 0 15,0 0-15,0 0 0,0 0 0,0 0 0,0 0 16,0 0-16,0 0 15,0 0-15,0 0 0,0 0 0,0 0 16,1 0-16,-1 0 0,0 0 0,0 0 0,0 0 0,0 0 16,0 0-16,0 0 0,-10 0 0,10 0 0,-19 0 15,29-10-15,-10 10 0,0 0 0,-10 0 16,10 0-16,0 0 0,0 0 0,-10 0 0,10 0 0,0 0 0,0 0 16,1 0-16,-11 0 0,0 0 0,10 0 15,0 0-15,20 0 125,0 0-125,0 0 0,0 0 0,0 0 16,0 0-16,-1 0 0,1 0 0,0 0 15,-10 10-15,10-10 0,0 0 0,10 0 0,-10 10 16,0 0-16,10-10 0,9 10 16,-9-10-16,10 10 15,-20 0-15,0-10 0,0 0 0,0 0 0,0 0 0,0 0 16,0 0-16,-1 0 0,1 0 0,10 10 0,-10-10 0,10 0 0,-10 10 16,0-10-16,10 0 0,-10 10 0,9-10 0,-9 0 0,10 0 0,0 0 0,-20 10 15,20-10-15,0 0 0,9 10 0,-9-10 0,10 0 16,20 0-16,-21 9 0,-9-9 0,-10 0 15,10 0-15,-10 0 0,0 0 0,10 0 0,-10 0 0,10 0 0,-1 0 0,1 0 16,0 0-16,-10 0 0,30 0 0,-1 0 0,1 0 16,10 0-16,39 0 0,-59 0 0,0 0 15,-1 0-15,1 0 0,10 0 0,-11 0 0,1 0 0,0 0 0,0 0 0,9 0 16,-9 0-16,0 0 0,0 0 0,0 0 0,9 0 0,21 0 0,19 0 16,-39 0-16,9 0 0,51 0 15,-71 0-15,-9 0 0,0 0 0,40 0 16,-21 0-16,-9 0 0,-10 0 0,10 0 0,-10 0 15,-1 0-15,1 0 0,-10-9 0,0 9 0,10 0 0,0 0 0,0 0 0,-1 0 16,1 0-16,0 0 0,10 0 0,-10 0 0,10 0 0,-11 0 0,11 0 0,10 0 16,-20 0-16,9 0 0,1 0 0,-10 0 0,0 0 0,10 0 0,-1 0 0,1 0 15,-10 0-15,20 0 0,-30 0 0,59 0 0,-29 0 16,59 0-16,-89 0 0,10 0 0,-10 0 16,9 0-16,-9 0 0,0 0 0,0 0 0,0 0 0,0 0 15,0 0 16,0 0-31,0 0 0,0 0 16,0 0-16,0 0 0,19 9 0,11-9 16,-20 10-16,0-10 0,-10 0 0,10 0 0,-1 20 0,1-20 15,0 0-15,0 10 0,0-10 0,0 10 0,-1-10 0,41 10 16,-50-10-16,0 10 0,0-10 0,-10 10 16,0 0-1,0 0-15,0 0 0,0 0 16,-10-10-16,10 9 0,0 1 15,-10 0-15,10 0 0,-10-10 0,0 10 16,10 10-16,0-10 0,-10-10 0,10 10 0,0 0 0,-10-10 0,0 20 16,10-10-16,0-1 0,0 1 0,-10 0 0,0-10 15,10 10-15,-9 0 0,9 0 0,-10-10 0,10 10 0,-10-10 0,10 10 16,-10-10-16,10 10 0,-20 10 0,10-10 16,0 0-16,-10-1 15,20 1 1,-10-10-16,0 0 0,0 0 15,1 0-15,-1 0 16,0 0-16,0 0 0,0 0 16,0 0-16,0 0 0,-10 0 15,10 0-15,0 0 0,0 0 16,0 0-16,1 0 0,-1 0 0,10-10 0,-10 10 16,-10 0-16,10 0 0,-20-9 0,20 9 15,-39-10-15,9 0 0,0 0 0,30 10 0,-29 0 16,19-10-16,-40 0 0,31 10 0,19 0 15,-20 0-15,10 0 0,0 0 0,0-10 0,-9 10 0,9 0 0,-20-10 16,-29 10-16,-31-10 16,61 0-16,-21 10 0,20-10 15,11 10-15,-11 0 0,30 0 0,0 0 0,0 0 16,-10 0-16,10-10 0,-9 10 0,9 0 0,-10 0 0,10 0 0,0 0 16,-10 0-16,10 0 0,-10 0 0,10 0 0,-9 0 0,9 0 15,0 0-15,0 0 0,0 0 0,-10 0 0,10 0 0,-10 0 0,0 0 16,1 0-16,9 0 0,-10 0 0,-60 0 0,41 10 15,19-10-15,-10 10 0,10-10 0,-19 0 0,29 0 16,-10 0-16,-10 10 0,20-10 0,-29 0 0,39 10 0,-40-10 16,0 10-16,0-10 0,11 0 0,19 0 15,-30 10-15,30-10 0,-30 0 0,1 10 0,29-10 16,-10 0-16,10 0 0,-10 0 0,0 0 0,11 0 0,-1 0 0,0 0 16,0 0-16,0 0 0,-10 0 0,10 0 0,0 0 0,-20 0 15,11 0-15,9 0 0,0 0 0,-10 0 0,10 0 16,-20 0-16,20 0 0,-29 0 15,19 0-15,0 0 0,-10 0 16,20 0-16,0 0 0,-20 0 0,21 0 16,-1 0-16,-20 10 0,20-10 0,0 0 0,0 0 15,0 0-15,0 0 0,0 10 0,0-10 0,0 0 0,1 0 16,-1 0-16,0 0 0,0 0 0,0 0 0,0 0 0,0 0 16,0 0-16,0 0 0,0 0 0,0 0 0,0 0 0,-9 0 15,19 10-15,-30-10 0,0 0 16,20 0-16,0 0 0,0 0 15,0 0-15,0 0 0,1 0 0,-1 0 16,0 0-16,0 0 0,0 0 0,0 0 16,0 0-16,0 0 0,0 0 0,0 0 0,0 0 15,0 0-15,0 0 0,1 0 0,-11 0 0,0 0 16,10 0-16,-20 0 0,20 0 0,-20 0 16,11 0-16,9 0 0,-10 0 0,10 0 0,0 0 0,0 0 15,0 0-15,0 0 0,0 0 0,0 0 0,10-10 16,-10 10-16,10-10 15,0 0 1,0 0-16,0 0 16,-9 10-16,9-10 0,0 0 0,0 0 15,0 0-15,0 0 0,0 0 0,-10 1 0,10-1 16,0 0-16,0-10 0,0 0 0,0 10 0,-10 0 16,10 0-16,0 0 0,0 0 0,0 0 0,0 1 0,0-1 15,0 0-15,0 0 0,0-10 0,0 10 0,0 0 0,0 0 0,0 0 0,0 0 16,-10 0-16,10-9 0,0-21 15,-10 30-15,10 0 0,0-10 0,0 10 16,0-20-16,0 21 0,0-1 0,0 0 16,0 0-16,0 0 0,-10 10 0,10-10 0,0 0 15,0 0-15,0 0 0,-10 10 0,10-10 0,0 0 16,0 0-16,0 1 0,0-1 16,0 0-16,0 0 31,0 0 16,0 0-47,0 0 15,0 0-15,0 0 0,0 0 16,10 10-16,-10-10 0,0 0 0,0 0 0,0 1 0,10 9 16,-10-10-16,0 0 0,10 0 15,-10 0-15,0 0 0,0 0 0,0 0 16,10 10-16,-10-10 0,0 0 15,0 0-15,10 10 0,-10-10 16,0 0-16,10 10 0,-1-9 16,1 9-16,-10-10 0,10 0 15,-10 0-15,10 0 0,10 0 16,-10 10-16,-10-10 16,10 10-16,0 0 31,0 0-16,0 0-15,0-10 0,0 10 0,-1 0 16,1 0-16,10 0 0,-20-10 0,30 10 16,-20 0-16,10 0 0,0 0 0,-10 0 0,9 0 15,-9 0-15,0 0 0,20-10 0,-20 10 0,10 0 0,0 0 0,-1 0 0,11 0 16,-10 0-16,0 0 0,0 0 0,19 0 0,-19 0 0,30-10 16,-10 10-16,-21 0 0,51 0 15,-11 0-15,1 0 0,-40 0 16,-10 0-16,0 0 0,0 0 0,-1 0 0,11 0 15,-10 0-15,20 0 0,0-10 0,9 10 16,-29 0-16,0 0 0,0 0 0,0 0 0,0 0 16,10 0-16,-10 0 0,0 0 0,0 0 0,0 0 0,0 0 0,-1 0 15,1 0-15,0 0 0,0 0 0,0 0 0,10 0 0,-10 0 0,0 0 16,0 0-16,10 0 0,-1 0 0,1 0 16,0 0-16,0 0 0,20 0 15,-30 0-15,-1 0 0,11 0 0,0 0 0,0 0 0,-10 0 0,10 0 0,0 0 16,19 0-16,-9 0 0,-20 0 0,10 0 0,20 0 15,-21 0-15,41 0 0,-30 0 0,-20 0 0,9 0 16,-9 0-16,10-10 0,0 10 0,-10 0 0,10 0 0,0 0 0,-10 0 0,9 0 16,-9 0-16,10 0 0,-10 0 0,0 0 0,0 0 0,0 0 15,0 0-15,0 0 0,0 0 0,0 0 0,-1 0 0,1 0 16,-10-9-16,10 9 0,10 0 16,-10 0-16,0 0 0,0 0 0,0 0 15,0 0-15,0 0 0,0 0 0,0 0 0,-1 0 16,11 0-16,-10 0 0,10-10 15,10 10-15,-10 0 0,0 0 0,9 0 16,-9 0-16,0 0 0,0 0 16,-10 0-16,10 0 0,-10 0 0,19 0 15,-19 0-15,30 0 0,-20 0 16,-10 0-16,0 0 0,19 0 16,-9 0-16,-10 0 0,0 0 0,0 0 0,0 0 0,0 0 15,0 0-15,0 10 0,0-10 0,9 0 0,-9 0 0,0 0 0,10 0 0,0 9 16,-10-9-16,10 0 0,-10 0 0,9 10 0,1-10 0,10 0 15,0 10-15,0 0 0,-11-10 16,1 0-16,10 10 0,0-10 16,-20 0-16,0 0 0,0 0 0,-1 0 15,1 0-15,0 0 0,0 0 16,0 0-16,0 0 16,10 0-16,-10 0 15,0 0-15,0 0 16,0 0 62,-10 10-78,0 0 16,10-10-16,-10 10 0,0 0 0,9-10 0,-9 10 0,0 0 15,10-10-15,-10 10 0,0 9 0,0 1 16,10-10-16,-10 10 0,0-10 15,0 0-15,0 0 0,0 0 0,0 0 0,0 0 16,0 0-16,0-1 0,10 1 0,-10 0 0,0 0 16,0 0-16,0 0 0,0 0 0,0 0 15,10 0-15,-10 10 16,0-10-16,10 0 0,-10-1 16,0 1-1,0 0 1,0 0-16,0 0 15,0 0 1,0 0 0,10-10-16,-10 10 15,0 0-15,0 0 16,0 0-16,0 0 0,0-1 0,0 1 16,0 0-16,0 0 0,0 0 15,0 0-15,-10-10 0,10 10 0,-10-10 0,10 10 16,-10 0-16,10 0 0,0 0 0,-20 0 15,10 0-15,1-10 0,-1 0 16,10 9-16,-10-9 0,10 10 0,-10-10 0,0 0 16,0 0-16,0 10 0,-10-10 15,10 10-15,0-10 0,-29 0 16,39 10-16,-20-10 0,0 0 0,-10 0 16,-9 0-16,-1 0 0,-20 0 15,-19 20-15,0-20 0,19 0 16,30 0-16,-29 0 0,29 0 0,-30 10 0,1-10 15,-11 0-15,-19 10 0,20 0 16,29 0-16,20-10 0,-10 0 16,11 10-16,-1-10 0,10 0 0,-10 0 0,0 0 0,10 0 15,-10 10-15,10-10 0,0 0 0,1 0 0,-1 0 0,0 0 0,0 0 16,0 0-16,0 0 0,0 0 0,0 0 0,-49 0 16,9 0-16,40 0 15,-10 0-15,0-10 0,-19 10 0,29 0 0,0 0 0,-30 0 0,20 0 0,20-10 16,-49 10-16,9-10 0,10 10 0,-19 0 15,19 0-15,0-10 0,-10 10 16,21-10-16,-1 10 0,10 0 0,0 0 16,-10 0-16,10 0 0,-10 0 0,-29 0 15,39 0-15,0 0 0,0 0 0,0 0 16,0 0-16,-10 0 0,0 0 0,1 0 16,-1 0-16,10 0 0,-10 0 15,0 0-15,10 0 0,0 0 0,0 0 0,-10 0 16,-19 0-16,19 0 0,10 0 0,0 0 0,-20 0 15,10 0-15,1 10 0,9-10 0,-10 0 0,0 10 0,0-10 0,0 0 0,-29 10 16,19 0-16,10-10 0,10 10 16,0-10-1,0 0 1,0 9 0,0-9-16,1 0 0,9 10 0,-10-10 0,10 10 0,-10-10 15,0 0-15,-10 10 0,10-10 0,0 10 16,0 10-1,0-20-15,0 0 0,10 10 16,0 0-16,-10-10 16,-9 10-16,19 0 15,-10-10-15,0 10 0,0-10 0,10 10 16,-10-10-16,0 0 0,10 9 0,-10-9 0,0 0 16,10 10-16,-20-10 0,10 0 0,0 10 15,1-10-15,-31 0 0,10 10 16,20-10-16,0 0 0,-10 0 0,10 10 0,1-10 0,-1 0 15,-10 0-15,10 0 0,-10 10 0,10-10 0,-30 0 16,30 10-16,-9-10 0,-1 0 16,10 0-16,0 0 47,10-10-47,-10 10 0,10-10 0,-10 10 15,10-10-15,0-10 0,-10 1 16,0-1-16,10 0 0,0 10 0,0-10 15,-10 20-15,10-10 0,0 0 0,0-10 0,0 1 16,0 9-16,0 0 0,0-10 0,0 10 0,0 0 0,0 0 16,0 0-16,0 0 0,0 0 0,-10 10 0,10-10 15,-9-9-15,9-1 0,0 10 0,-10-10 16,0 0-16,10 10 0,0 0 0,0 0 16,-10 10-16,10-29 15,0 19-15,0-10 0,-10 20 16,10-10-16,0 0 0,0 0 15,0 0-15,0 0 0,0 0 16,0 0-16,0 0 16,0 1-16,0-1 15,0 0 1,0 0-16,10 10 62,0 0-46</inkml:trace>
-</inkml:ink>
-</file>
-
-<file path=ppt/ink/ink7.xml><?xml version="1.0" encoding="utf-8"?>
-<inkml:ink xmlns:inkml="http://www.w3.org/2003/InkML">
-  <inkml:definitions>
-    <inkml:context xml:id="ctx0">
-      <inkml:inkSource xml:id="inkSrc0">
-        <inkml:traceFormat>
-          <inkml:channel name="X" type="integer" max="3440" units="cm"/>
-          <inkml:channel name="Y" type="integer" max="1440" units="cm"/>
-          <inkml:channel name="T" type="integer" max="2.14748E9" units="dev"/>
-        </inkml:traceFormat>
-        <inkml:channelProperties>
-          <inkml:channelProperty channel="X" name="resolution" value="43.10777" units="1/cm"/>
-          <inkml:channelProperty channel="Y" name="resolution" value="42.98507" units="1/cm"/>
-          <inkml:channelProperty channel="T" name="resolution" value="1" units="1/dev"/>
-        </inkml:channelProperties>
-      </inkml:inkSource>
-      <inkml:timestamp xml:id="ts0" timeString="2020-03-24T14:02:42.154"/>
-    </inkml:context>
-    <inkml:brush xml:id="br0">
-      <inkml:brushProperty name="width" value="0.08819" units="cm"/>
-      <inkml:brushProperty name="height" value="0.35278" units="cm"/>
-      <inkml:brushProperty name="color" value="#FFFF00"/>
-      <inkml:brushProperty name="tip" value="rectangle"/>
-      <inkml:brushProperty name="rasterOp" value="maskPen"/>
-    </inkml:brush>
-  </inkml:definitions>
-  <inkml:trace contextRef="#ctx0" brushRef="#br0">10160 10894 0,'0'-10'0,"0"0"16,10 10 62,0-10-78,0 10 0,0-9 16,0 9-16,0 0 0,0 0 0,-1-10 0,1 10 0,0 0 0,10-10 15,20 10-15,-20-10 0,-1 10 0,-9 0 0,50-10 16,-30 10-16,29-10 0,11 0 0,-41 10 0,21 0 0,-20-10 0,49 10 16,-39-10-16,29-10 0,21 10 15,-21 10-15,60-19 0,-99 19 0,0 0 16,-1 0-16,-9-10 0,20 10 0,-10 0 0,-1 0 0,1 0 0,0 0 0,-10 0 15,20-10-15,-21 10 0,11 0 0,0 0 0,-10 0 0,9 0 0,-9 0 0,0 0 16,10 0-16,-10 0 0,0 0 0,-1-10 0,1 10 0,0 0 0,0 0 16,0 0-16,0 0 0,19 0 0,-19 0 0,50 0 15,-50 0-15,-1 0 0,-9 0 0,20 0 0,-10 0 16,-10 0-16,20 0 0,-11 0 0,11 0 0,-10 0 0,-10 0 0,20 0 16,-10 0-16,19 10 0,-19-10 0,-10 0 0,10 0 0,0 0 15,19 0-15,-9 0 0,30 0 0,-21 0 16,1 0-16,-20 0 0,0 0 0,10 0 0,-11 0 0,1 0 15,0 0-15,-10 0 0,10 0 0,20 0 0,-31 0 0,1 0 0,0 0 16,20 0-16,-10 0 0,10 0 16,-20 0-16,-1 0 0,1 0 0,0 0 0,10 0 0,-10 0 15,0 0-15,0 0 0,0 0 0,0 0 16,0 0-16,0 0 47,0 0-47,-1 0 15,1 0-15,0 0 0,0 10 0,0-10 16,0 0-16,0 0 0,0 0 16,0 10-16,0-10 0,0 9 0,0-9 15,0 10-15,-1-10 0,21 10 16,-20-10-16,0 10 0,0 0 16,0-10-16,0 0 0,0 0 0,0 0 15,0 0 1,-10 10-16,10-10 15,-10 10 1,9-10-16,1 0 0,0 0 16,-10 10-16,10-10 0,0 0 15,0 0-15,0 0 16,0 0-16,-10 10 31,0 0-15,10-10-16,0 0 0,-10 10 0,0 0 15,0 0-15,10-10 0,-10 9 0,10-9 0,-10 10 0,10 0 16,-10 0-16,9-10 0,-9 10 0,10 10 16,0 0-16,-10-10 15,0 0-15,0 0 0,0 0 0,0-1 0,0 1 16,0 0 0,-10-10 30,-9 0-46,9 0 0,0 0 0,0 0 16,0 0-16,0 0 0,0 0 0,-10 0 16,0 0-16,0 0 15,11 0-15,-1 0 0,0 0 0,0 0 0,0 0 0,0 0 0,0 0 0,0 0 16,0 0-16,-20 0 0,11 0 0,9 0 0,0 0 0,-10 0 16,10 0-16,-10 0 0,0 0 0,0 0 0,10 0 0,1 0 0,-1 0 0,-20 0 15,20 0-15,-30 0 0,1 0 0,19 0 16,-10 0-16,10 0 0,0 0 0,10 0 0,-9 0 0,9 0 15,0 0-15,0 0 0,0 0 0,0 0 0,0 0 0,0 0 16,0 0-16,0 0 0,-10 0 0,10 0 0,1 0 16,-1 0-16,0 0 0,0 0 0,0 0 15,0 0-15,0 0 0,0 0 0,0 0 0,0 0 16,10-10-16,-10 10 0,0 0 0,0 0 0,1 0 0,-1 0 16,-20 0-16,-10 0 15,30-10-15,-20 10 0,21 0 0,-11 0 16,0 0-16,-10 0 0,10-9 0,10 9 15,0 0-15,1 0 0,-1 0 0,-10 0 0,10 0 0,0 0 0,-4118 0 16,8236 0-16,-4128 0 0,10 0 0,0 0 0,0 0 16,1 0-16,-1 0 0,0 0 0,0 0 0,0 0 0,0 0 0,0-10 15,0 10-15,0 0 0,0 0 0,0 0 0,-19 0 0,9 0 16,0 0-16,-20 0 0,-9 0 16,29-10-16,-20 10 0,20 0 0,-20 0 0,31 0 0,-71-10 15,31 10-15,-1 0 0,0 0 16,1 0-16,9 0 0,10 0 0,10-10 0,-29 10 15,29 0-15,0 0 0,0 0 0,-9 0 0,9 0 0,0 0 0,0 0 0,-10 0 16,10 0-16,1 0 0,-1 0 0,0 0 0,0 0 0,-30 0 16,31-10-16,-1 10 0,10 0 0,-10 0 0,0 0 0,10 0 0,0 0 0,-29 0 15,29 0-15,0 0 0,-20 0 0,20 0 0,-10 0 16,10-10-16,0 10 0,0 0 0,1 0 0,-1 0 0,0 0 0,0 0 16,0 0-16,0 0 15,0 0 1,0 0-16,0 0 15,0 0-15,0 0 0,-10 0 16,11 0-16,-1 0 0,0 0 16,0 10-16,0-10 0,0 0 15,-10 10-15,10-10 0,0 0 16,10 10-16,-10-10 0,0 0 0,0 0 0,1 0 0,-1 0 16,0 0-16,0 0 0,0 0 0,0 10 0,0-10 0,0 0 0,0 10 15,0-10-15,0 0 0,0 0 0,0 10 0,1-10 0,-1 0 0,0 0 16,-40 9-16,1 1 15,29-10-15,10 10 0,-10-10 0,-10 0 0,30 10 0,-20-10 16,10 0-16,0 0 0,10 10 47,0 0-47,0 0 0,0 20 16,0-1-1,0-19-15,0 0 0,0 0 0,0 0 16,0 0-16,0 10 0,0-10 15,0 0-15,10 0 0,-10 0 0,0 0 0,10-10 0,-10 9 16,0 1-16,0 0 0,0 0 0,0 0 0,0 0 0,10 0 0,-10 0 16,10-10-16,-10 10 0,0 0 0,10 0 0,-10 0 0,0 0 0,0-1 15,10 1-15,0 0 0,-10 0 0,0 0 0,10 0 0,-10 0 0,0 10 16,10-20-16,0 40 16,0-31-16,-10 1 0,10 0 0,-1 0 0,-9 0 15,0 0-15,10-10 0,-10 20 0,0-10 16,10-10-16,-10 10 0,0 0 0,10-10 15,-10 10-15,0 0 0,0-1 16,10-9-16,0 10 0,0-10 78,0 0-78,0 0 0,10 0 16,-10 0-16,9 0 0,-9 0 0,30 0 15,-20-10-15,0 10 0,29 0 0,1-9 16,-30 9-16,29-10 0,-29 10 0,40 0 0,-40-10 16,29 10-16,-9 0 0,69-10 15,0 0-15,-89 10 0,30 0 0,9 0 0,-9 0 16,19-10-16,-9 10 0,-11 0 16,70-10-16,-69 10 0,-30 0 0,10 0 15,-1 0-15,-9 0 0,20 0 0,-30 0 0,30 0 0,-21-10 0,11 10 0,-10 0 0,10 0 16,-10 0-16,9 0 0,-9 0 0,0 0 0,10 0 0,-10 0 0,0 0 15,-1 0-15,1 0 0,10 0 0,-10 0 0,0 0 0,0 0 0,-1 0 0,21 0 16,-30 0-16,10 0 0,20 0 0,-21 0 0,1 0 0,0 0 16,0 0-16,39 0 0,-39 0 0,0 0 0,20 0 15,-20 0-15,9 0 0,11 0 0,-20 0 16,30 0-16,-11 0 0,-19 0 16,20 0-16,-1 0 0,-19 0 0,0 0 0,0 0 0,10 0 15,-10 0-15,29 0 0,-29 0 0,0 0 0,0 0 0,9 0 0,-9 0 0,10 0 16,-10 0-16,10 0 0,-1 0 0,-9 0 0,0 0 0,10 0 0,-10 0 15,29 0-15,-29 0 0,20 0 0,-10 0 0,-10 0 16,39 0-16,-9 0 0,-30 0 0,-1 0 0,11 0 16,-20 0-16,0 0 0,10 0 0,-10 0 0,19 0 15,-9 0-15,-10 0 0,10 0 0,0 0 16,20 0-16,-30-10 0,9 10 0,-9 0 0,10 0 16,-10 0-16,0 0 0,10 0 0,0 0 0,-10 0 0,9 0 0,-9 0 0,10 0 15,-10 0-15,0 0 0,0 0 0,0 0 0,10 0 0,-10 0 0,0 0 16,0 0-16,-1 0 0,-9-10 78,0 0-78,0 0 16,0 0-16,-9 1 0,-1-1 15,0 0-15,10 0 0,-20 0 0,10 0 0,0 10 0,10-10 16,-10 0-16,0 0 0,0 0 0,0 10 0,10-10 0,-10 10 0,0-10 15,1 10-15,9-10 0,-30-9 0,20 9 16,0 10-16,-10 0 0,10-10 0,0 10 16,0-10-16,0 10 0,0 0 0,1 0 0,-1 0 0,-10 0 0,10 0 15,-10-10-15,-40 10 0,41-10 16,-61 10-16,60 0 0,11 0 0,-21-10 16,10 10-16,-20 0 0,-29 0 15,49 0-15,0 0 0,0 0 0,0 0 0,1 0 0,9 0 0,-10 0 0,0 0 0,0 0 16,0 0-16,0 0 0,1 0 0,-1 10 0,0-10 0,0 0 15,0 10-15,0-10 0,0 0 0,1 10 0,9-10 0,-10 0 0,0 10 0,10-10 0,0 0 16,-10 0-16,0 10 0,11-10 0,-31 0 0,-39 10 16,39-10-16,10 0 15,0 0-15,10 0 0,1 0 0,-81 0 16,90 0-16,-29 0 0,9 0 0,-10 0 16,-19 0-16,19 0 0,0-10 0,21 10 15,9 0-15,-10 0 0,10 0 0,0 0 0,-10 0 0,0 0 0,0-10 0,11 10 16,-11 0-16,10 0 0,0 0 0,-10 0 0,10 0 0,-10 0 0,0-10 15,1 10-15,-1 0 0,10 0 0,0 0 0,0 0 0,-10-10 16,10 10-16,-20 0 0,-9 0 16,-11 0-16,10 0 0,1 0 15,9 0-15,-30 0 0,11 0 0,-1 0 0,-9 0 16,39 0-16,-30 0 0,20 0 0,11 0 0,-11 0 0,0 0 0,0 0 16,-9 0-16,9 0 0,0 0 0,0 0 0,10 0 0,-9 0 0,-41-10 15,50 10-15,1 0 0,-11 0 0,20 0 0,-10 0 0,10-10 0,-10 10 16,0 0-16,1 0 0,19-10 0,-20 10 0,-20 0 15,30 0-15,0 0 16,0 0 62,0 0-62,0 0-16,1 0 15,-1 0-15,0 0 0,0 10 0,0-10 16,-10 10-16,10-10 16,0 0 15,0 0-31,0 0 0,-10 0 16,11 0-16,-1 0 0,-10-10 0,10 10 15,0-10-15,-10 10 0,-10 0 0,-9-10 16,-61 0-16,71 10 0,-1 0 15,20 0-15,-10-10 0,10 10 0,0 0 0,0 0 0,0 0 16,1 0-16,9-10 94,9 10-94,-9-9 0,10-1 0,-10 0 15,0 0-15,10 0 0,0-20 16,0-10-16,0 21 16,-10-1-16,0 10 0,10-10 15,-10 0-15,0 0 0,10 0 16,-10 1-16,0-1 0,0 10 16,0 0-16,0 0 0,0-10 0,0 10 0,0 0 15,0 0-15,0 0 0,0-9 16,0 9-16,0 0 0,0 0 15,0 0-15,0 0 16,0 0 0,0 0-1,0 0 1,0 0 0,0 0-1,0 0-15,0 1 0,0-1 0,0 0 16,-10 10-16,10-10 0,0 0 15,0 0-15,0 0 0,0 0 0,0 0 16,0 0-16,0 0 16,0 0-16,0 0 0,0 1 0,0-1 15,0 0 1,0 0-16,0 0 31,0 20 32,0 10-63,0-10 0,0-1 15,0 11-15,0-10 0,0 0 0,0 0 16,0 0-16,0 0 0,0 0 0,0 0 16,0 10-16,0-10 0,0-1 0,0 1 0,0 0 0,0 0 15,0 10-15,0-10 0,0 0 16,0 0-16,0 0 0,0 0 15,0 0 1,0 0-16,0-1 16,0 1 46,-10-10-62,0 0 63,10-10-48,0-9 1,-10 9-16,10 0 0,-10-10 16,10 10-16,0 0 0,0 0 0,0 0 15,-10 10-15,10-10 0,0 0 0,-10 10 0,10-10 0,0 1 16,-9 9-16,9-10 0,0 0 15,-10 10-15,10-10 63,0 0-47,0 0-16,-10 10 0,10-10 0,0 0 15,0 0-15,0 0 0,0 0 16,0 0-16,0 0 0,0 1 0,0-1 0,0 0 15,0 0-15,0 0 0,0 0 0,0 0 16,10 10-16,-10-10 0,10 10 0,-10-10 16,9 10-16,-9-10 0,10 10 15,-10-10-15,0 0 16,10 10-16,0 0 0,0 0 0,0-9 16,0 9-16,0 0 0,10 0 15,-20-10-15,20 10 0,-1 0 16,-19-10-16,10 10 0,0-10 15,20 10-15,-30-10 0,10 10 0,0 0 0,0 0 16,0 0-16,0 0 0,-10-10 0,10 10 0,-1 0 0,1 0 0,0 0 0,0 0 16,0-10-16,10 10 0,-10 0 0,0 0 0,0 0 15,0 0-15,0 0 0,0 0 0,-1 0 0,1 0 0,0 0 0,0 0 16,0 0-16,0 0 0,20 0 0,-20 0 16,0 0-16,0 0 0,9 0 0,1 0 15,0 0-15,0 0 0,0 0 16,0 0-16,19 0 0,-29 0 0,0 0 15,10 0-15,-10 0 0,10 0 0,-10 0 0,0 0 0,0 0 0,0 0 0,19 0 16,11 0-16,-10 0 0,9-10 16,-19 10-16,0 0 0,0 0 0,20-10 0,-21 10 0,11 0 15,-10 0-15,59-10 0,-59 0 0,10 10 0,-10 0 16,0 0-16,0 0 0,-10 0 0,29-10 0,-19 10 0,-10 0 0,0 0 0,10 0 0,0 0 16,-1-10-16,1 10 0,60 0 0,-51 0 15,-9-9-15,10 9 0,-10 0 0,10 0 16,-1 0-16,-19 0 15,10 0-15,-10 0 0,0 0 0,10 0 16,-10 0-16,10 0 0,-10 0 16,-1 0-16,1 0 0,0 0 0,10 0 15,-10 0-15,0 0 0,0 0 16,0 0-16,-10 9 0,10-9 0,0 0 0,0 0 0,0 0 0,-10 10 0,9-10 16,1 0-16,10 0 0,0 0 0,-10 0 0,0 10 0,0-10 15,0 0-15,10 0 0,-10 10 0,-1-10 0,1 0 0,0 0 0,10 0 0,-10 0 16,20 0-16,-30 10 0,10-10 0,19 0 0,21 0 15,-30 0-15,20 0 16,-21 0-16,-9 0 0,0 0 0,0 0 0,0 0 0,0 0 0,0 0 16,10 0-16,0 0 0,-10 0 0,9 0 15,1 0-15,-10 0 0,0 0 0,0 0 0,0 0 16,0 0-16,0 0 0,0 0 0,0 0 0,0 0 0,0 0 0,19 0 16,-9 0-16,-20 10 0,10-10 0,10 0 0,0 0 0,-10 0 0,0 0 0,-1 0 15,11 10-15,-10-10 0,0 0 0,0 0 0,10 0 0,-10 0 16,0 0-16,10 0 0,9 10 0,-9-10 15,-10 0-15,0 0 0,0 0 0,0 0 0,0 0 16,-10 10-16,10-10 16,0 0-16,0 0 0,9 0 15,-9 0-15,10 0 0,-10 0 0,0 0 16,0 0-16,0 0 0,10 0 0,-10 0 0,19 0 16,21 0-1,-40 0-15,0 0 0,0 0 0,0 0 0,0 0 0,0 0 0,19 0 16,-19 0-16,10 0 15,-10 0-15,0 0 0,0 0 0,10 0 16,-10 0-16,0 0 0,0 0 0,-1 0 16,1 0-16,0 0 0,0 0 0,0 0 0,0 0 15,10 0-15,-10 0 0,0 10 0,0-10 16,0 0-16,-1 0 0,1 0 0,0 10 16,0-10-1,-10 10-15,10-10 0,-10 10 0,10-10 16,0 9-16,0-9 0,0 10 15,-10 0-15,10 0 0,0-10 16,10 0-16,-20 10 0,9-10 16,-9 10-16,10-10 0,-10 10 15,0 0-15,0 0 16,10 0-16,-10 0 16,0 0-16,10-10 0,-10 9 0,0 1 15,10 0-15,-10 0 0,0 0 16,10-10-16,-10 20 0,0-10 15,0 0-15,0 0 0,0 0 0,0 10 16,0-11-16,0 1 0,0 0 0,0 0 16,0 0-16,-10-10 0,10 20 0,0-10 0,0 0 0,0 0 15,0 0-15,0 10 0,0-11 0,0 11 16,0-10-16,0 0 0,0 0 0,0 0 16,0 0-16,10 0 0,-10 0 0,0 0 0,0 0 15,10-10-15,-10 10 0,0-1 0,0 1 16,0 10-16,0-10 0,0 0 15,0 0-15,0 0 0,10 0 16,-10 0-16,0 0 0,0 0 16,10-10-16,-10 9 0,0 1 0,0 0 15,0 0 1,0 0-16,10-10 0,-10 20 16,0-10-16,0 10 15,10-20-15,-10 10 0,0 0 16,-10-10 78,0 0-79,10-10-15,-10 10 0,10-10 0,-10-20 0,-20 0 16,10 10-16,-9-19 0,-21-41 15,30 11 1,0 19 0,10 21-16,10 19 0,0-10 15,0 10-15,0 0 0,-10 10 0,10-10 0,0-10 16,0 10-16,0-10 0,0 10 0,0 1 0,0-1 16,0 0-16,0 0 0,0 0 15,0 0-15,0 0 16,0 0-16,0 0 15,0 0 1,-9 0 0,-1 0-16,0 10 0,0 0 15,0 0-15,0 0 0,0 0 0,0-10 16,0 10-16,-20 0 0,11 0 0,-11 0 16,10 0-16,0 0 15,-10 0-15,1 0 0,9 0 0,10 0 16,0 0-16,10 10 0,-10-10 0,0 0 0,0 10 0,0-10 15,10 10-15,0 0 47,10 0-47,0-10 16,-10 10-16,20-10 0,0 0 0,-10 0 0,29 0 16,41 10-1,-21-10-15,-39 0 0,0 0 0,30 0 16,-31 0-16,51 0 15,-60 0-15,0 0 0,0 0 0,-20 0 63,0 10-63,-20 0 16,20 0-16,0-10 0,-10 20 0,-9-11 15,-11 1-15,10 0 0,-39 30 16,-1 0-1,40-20-15,11 9 16,9-19 0,10 10-16,0-10 15,10-10-15,0 10 16,9 0-16,-9-10 0,30 0 16,-30 0-16,0 10 0,10-10 0,0 0 0,-1 0 15,-9 0-15,0 0 0,-10 10 63,0 0-63,0 0 15,-10-1-15,10 1 0,0 0 16,-10 0-16,10 0 0,0 0 0,0 0 16,-10 0-16,10 0 15</inkml:trace>
-</inkml:ink>
 </file>
 
 <file path=ppt/notesMasters/notesMaster1.xml><?xml version="1.0" encoding="utf-8"?>
@@ -1497,6 +1288,115 @@
   <p:cSld>
     <p:spTree>
       <p:nvGrpSpPr>
+        <p:cNvPr id="1" name="Shape 150"/>
+        <p:cNvGrpSpPr/>
+        <p:nvPr/>
+      </p:nvGrpSpPr>
+      <p:grpSpPr>
+        <a:xfrm>
+          <a:off x="0" y="0"/>
+          <a:ext cx="0" cy="0"/>
+          <a:chOff x="0" y="0"/>
+          <a:chExt cx="0" cy="0"/>
+        </a:xfrm>
+      </p:grpSpPr>
+      <p:sp>
+        <p:nvSpPr>
+          <p:cNvPr id="151" name="Google Shape;151;g50308e79b8_1_191:notes"/>
+          <p:cNvSpPr>
+            <a:spLocks noGrp="1" noRot="1" noChangeAspect="1"/>
+          </p:cNvSpPr>
+          <p:nvPr>
+            <p:ph type="sldImg" idx="2"/>
+          </p:nvPr>
+        </p:nvSpPr>
+        <p:spPr>
+          <a:xfrm>
+            <a:off x="381000" y="685800"/>
+            <a:ext cx="6096000" cy="3429000"/>
+          </a:xfrm>
+          <a:custGeom>
+            <a:avLst/>
+            <a:gdLst/>
+            <a:ahLst/>
+            <a:cxnLst/>
+            <a:rect l="l" t="t" r="r" b="b"/>
+            <a:pathLst>
+              <a:path w="120000" h="120000" extrusionOk="0">
+                <a:moveTo>
+                  <a:pt x="0" y="0"/>
+                </a:moveTo>
+                <a:lnTo>
+                  <a:pt x="120000" y="0"/>
+                </a:lnTo>
+                <a:lnTo>
+                  <a:pt x="120000" y="120000"/>
+                </a:lnTo>
+                <a:lnTo>
+                  <a:pt x="0" y="120000"/>
+                </a:lnTo>
+                <a:close/>
+              </a:path>
+            </a:pathLst>
+          </a:custGeom>
+        </p:spPr>
+      </p:sp>
+      <p:sp>
+        <p:nvSpPr>
+          <p:cNvPr id="152" name="Google Shape;152;g50308e79b8_1_191:notes"/>
+          <p:cNvSpPr txBox="1">
+            <a:spLocks noGrp="1"/>
+          </p:cNvSpPr>
+          <p:nvPr>
+            <p:ph type="body" idx="1"/>
+          </p:nvPr>
+        </p:nvSpPr>
+        <p:spPr>
+          <a:xfrm>
+            <a:off x="685800" y="4343400"/>
+            <a:ext cx="5486400" cy="4114800"/>
+          </a:xfrm>
+          <a:prstGeom prst="rect">
+            <a:avLst/>
+          </a:prstGeom>
+        </p:spPr>
+        <p:txBody>
+          <a:bodyPr spcFirstLastPara="1" wrap="square" lIns="91425" tIns="91425" rIns="91425" bIns="91425" anchor="t" anchorCtr="0">
+            <a:noAutofit/>
+          </a:bodyPr>
+          <a:lstStyle/>
+          <a:p>
+            <a:pPr marL="0" lvl="0" indent="0" algn="l" rtl="0">
+              <a:spcBef>
+                <a:spcPts val="0"/>
+              </a:spcBef>
+              <a:spcAft>
+                <a:spcPts val="0"/>
+              </a:spcAft>
+              <a:buNone/>
+            </a:pPr>
+            <a:endParaRPr/>
+          </a:p>
+        </p:txBody>
+      </p:sp>
+    </p:spTree>
+    <p:extLst>
+      <p:ext uri="{BB962C8B-B14F-4D97-AF65-F5344CB8AC3E}">
+        <p14:creationId xmlns:p14="http://schemas.microsoft.com/office/powerpoint/2010/main" val="533301158"/>
+      </p:ext>
+    </p:extLst>
+  </p:cSld>
+  <p:clrMapOvr>
+    <a:masterClrMapping/>
+  </p:clrMapOvr>
+</p:notes>
+</file>
+
+<file path=ppt/notesSlides/notesSlide15.xml><?xml version="1.0" encoding="utf-8"?>
+<p:notes xmlns:a="http://schemas.openxmlformats.org/drawingml/2006/main" xmlns:r="http://schemas.openxmlformats.org/officeDocument/2006/relationships" xmlns:p="http://schemas.openxmlformats.org/presentationml/2006/main" showMasterSp="0" showMasterPhAnim="0">
+  <p:cSld>
+    <p:spTree>
+      <p:nvGrpSpPr>
         <p:cNvPr id="1" name="Shape 156"/>
         <p:cNvGrpSpPr/>
         <p:nvPr/>
@@ -1596,7 +1496,7 @@
 </p:notes>
 </file>
 
-<file path=ppt/notesSlides/notesSlide15.xml><?xml version="1.0" encoding="utf-8"?>
+<file path=ppt/notesSlides/notesSlide16.xml><?xml version="1.0" encoding="utf-8"?>
 <p:notes xmlns:a="http://schemas.openxmlformats.org/drawingml/2006/main" xmlns:r="http://schemas.openxmlformats.org/officeDocument/2006/relationships" xmlns:p="http://schemas.openxmlformats.org/presentationml/2006/main" showMasterSp="0" showMasterPhAnim="0">
   <p:cSld>
     <p:spTree>
@@ -1700,7 +1600,7 @@
 </p:notes>
 </file>
 
-<file path=ppt/notesSlides/notesSlide16.xml><?xml version="1.0" encoding="utf-8"?>
+<file path=ppt/notesSlides/notesSlide17.xml><?xml version="1.0" encoding="utf-8"?>
 <p:notes xmlns:a="http://schemas.openxmlformats.org/drawingml/2006/main" xmlns:r="http://schemas.openxmlformats.org/officeDocument/2006/relationships" xmlns:p="http://schemas.openxmlformats.org/presentationml/2006/main" showMasterSp="0" showMasterPhAnim="0">
   <p:cSld>
     <p:spTree>
@@ -1804,7 +1704,7 @@
 </p:notes>
 </file>
 
-<file path=ppt/notesSlides/notesSlide17.xml><?xml version="1.0" encoding="utf-8"?>
+<file path=ppt/notesSlides/notesSlide18.xml><?xml version="1.0" encoding="utf-8"?>
 <p:notes xmlns:a="http://schemas.openxmlformats.org/drawingml/2006/main" xmlns:r="http://schemas.openxmlformats.org/officeDocument/2006/relationships" xmlns:p="http://schemas.openxmlformats.org/presentationml/2006/main" showMasterSp="0" showMasterPhAnim="0">
   <p:cSld>
     <p:spTree>
@@ -1908,7 +1808,7 @@
 </p:notes>
 </file>
 
-<file path=ppt/notesSlides/notesSlide18.xml><?xml version="1.0" encoding="utf-8"?>
+<file path=ppt/notesSlides/notesSlide19.xml><?xml version="1.0" encoding="utf-8"?>
 <p:notes xmlns:a="http://schemas.openxmlformats.org/drawingml/2006/main" xmlns:r="http://schemas.openxmlformats.org/officeDocument/2006/relationships" xmlns:p="http://schemas.openxmlformats.org/presentationml/2006/main" showMasterSp="0" showMasterPhAnim="0">
   <p:cSld>
     <p:spTree>
@@ -3011,7 +2911,7 @@
           <a:p>
             <a:fld id="{E80EA6F0-68EF-4AD6-9708-512C82E55428}" type="datetimeFigureOut">
               <a:rPr lang="es-MX" smtClean="0"/>
-              <a:t>11/02/2021</a:t>
+              <a:t>22/02/2021</a:t>
             </a:fld>
             <a:endParaRPr lang="es-MX"/>
           </a:p>
@@ -6168,7 +6068,13 @@
                           <a:rPr lang="en-US" sz="1600" b="0" i="1" smtClean="0">
                             <a:latin typeface="Cambria Math" panose="02040503050406030204" pitchFamily="18" charset="0"/>
                           </a:rPr>
-                          <m:t>+3</m:t>
+                          <m:t>+</m:t>
+                        </m:r>
+                        <m:r>
+                          <a:rPr lang="en-US" sz="1600" b="0" i="1" smtClean="0">
+                            <a:latin typeface="Cambria Math" panose="02040503050406030204" pitchFamily="18" charset="0"/>
+                          </a:rPr>
+                          <m:t>3</m:t>
                         </m:r>
                         <m:r>
                           <a:rPr lang="en-US" sz="1600" b="0" i="1" smtClean="0">
@@ -6180,7 +6086,13 @@
                           <a:rPr lang="en-US" sz="1600" b="0" i="1" smtClean="0">
                             <a:latin typeface="Cambria Math" panose="02040503050406030204" pitchFamily="18" charset="0"/>
                           </a:rPr>
-                          <m:t>+10</m:t>
+                          <m:t>+</m:t>
+                        </m:r>
+                        <m:r>
+                          <a:rPr lang="en-US" sz="1600" b="0" i="1" smtClean="0">
+                            <a:latin typeface="Cambria Math" panose="02040503050406030204" pitchFamily="18" charset="0"/>
+                          </a:rPr>
+                          <m:t>10</m:t>
                         </m:r>
                       </m:e>
                     </m:d>
@@ -6436,7 +6348,13 @@
                           <a:rPr lang="en-US" sz="1600" b="0" i="1" smtClean="0">
                             <a:latin typeface="Cambria Math" panose="02040503050406030204" pitchFamily="18" charset="0"/>
                           </a:rPr>
-                          <m:t>+9999</m:t>
+                          <m:t>+</m:t>
+                        </m:r>
+                        <m:r>
+                          <a:rPr lang="en-US" sz="1600" b="0" i="1" smtClean="0">
+                            <a:latin typeface="Cambria Math" panose="02040503050406030204" pitchFamily="18" charset="0"/>
+                          </a:rPr>
+                          <m:t>9999</m:t>
                         </m:r>
                         <m:r>
                           <a:rPr lang="en-US" sz="1600" i="1" smtClean="0">
@@ -6803,6 +6721,575 @@
   <p:transition spd="slow">
     <p:push dir="u"/>
   </p:transition>
+  <p:timing>
+    <p:tnLst>
+      <p:par>
+        <p:cTn id="1" dur="indefinite" restart="never" nodeType="tmRoot">
+          <p:childTnLst>
+            <p:seq concurrent="1" nextAc="seek">
+              <p:cTn id="2" dur="indefinite" nodeType="mainSeq">
+                <p:childTnLst>
+                  <p:par>
+                    <p:cTn id="3" fill="hold">
+                      <p:stCondLst>
+                        <p:cond delay="indefinite"/>
+                      </p:stCondLst>
+                      <p:childTnLst>
+                        <p:par>
+                          <p:cTn id="4" fill="hold">
+                            <p:stCondLst>
+                              <p:cond delay="0"/>
+                            </p:stCondLst>
+                            <p:childTnLst>
+                              <p:par>
+                                <p:cTn id="5" presetID="1" presetClass="entr" presetSubtype="0" fill="hold" nodeType="clickEffect">
+                                  <p:stCondLst>
+                                    <p:cond delay="0"/>
+                                  </p:stCondLst>
+                                  <p:childTnLst>
+                                    <p:set>
+                                      <p:cBhvr>
+                                        <p:cTn id="6" dur="1" fill="hold">
+                                          <p:stCondLst>
+                                            <p:cond delay="0"/>
+                                          </p:stCondLst>
+                                        </p:cTn>
+                                        <p:tgtEl>
+                                          <p:spTgt spid="98">
+                                            <p:txEl>
+                                              <p:pRg st="2" end="2"/>
+                                            </p:txEl>
+                                          </p:spTgt>
+                                        </p:tgtEl>
+                                        <p:attrNameLst>
+                                          <p:attrName>style.visibility</p:attrName>
+                                        </p:attrNameLst>
+                                      </p:cBhvr>
+                                      <p:to>
+                                        <p:strVal val="visible"/>
+                                      </p:to>
+                                    </p:set>
+                                  </p:childTnLst>
+                                </p:cTn>
+                              </p:par>
+                            </p:childTnLst>
+                          </p:cTn>
+                        </p:par>
+                      </p:childTnLst>
+                    </p:cTn>
+                  </p:par>
+                  <p:par>
+                    <p:cTn id="7" fill="hold">
+                      <p:stCondLst>
+                        <p:cond delay="indefinite"/>
+                      </p:stCondLst>
+                      <p:childTnLst>
+                        <p:par>
+                          <p:cTn id="8" fill="hold">
+                            <p:stCondLst>
+                              <p:cond delay="0"/>
+                            </p:stCondLst>
+                            <p:childTnLst>
+                              <p:par>
+                                <p:cTn id="9" presetID="1" presetClass="entr" presetSubtype="0" fill="hold" nodeType="clickEffect">
+                                  <p:stCondLst>
+                                    <p:cond delay="0"/>
+                                  </p:stCondLst>
+                                  <p:childTnLst>
+                                    <p:set>
+                                      <p:cBhvr>
+                                        <p:cTn id="10" dur="1" fill="hold">
+                                          <p:stCondLst>
+                                            <p:cond delay="0"/>
+                                          </p:stCondLst>
+                                        </p:cTn>
+                                        <p:tgtEl>
+                                          <p:spTgt spid="98">
+                                            <p:txEl>
+                                              <p:pRg st="3" end="3"/>
+                                            </p:txEl>
+                                          </p:spTgt>
+                                        </p:tgtEl>
+                                        <p:attrNameLst>
+                                          <p:attrName>style.visibility</p:attrName>
+                                        </p:attrNameLst>
+                                      </p:cBhvr>
+                                      <p:to>
+                                        <p:strVal val="visible"/>
+                                      </p:to>
+                                    </p:set>
+                                  </p:childTnLst>
+                                </p:cTn>
+                              </p:par>
+                            </p:childTnLst>
+                          </p:cTn>
+                        </p:par>
+                      </p:childTnLst>
+                    </p:cTn>
+                  </p:par>
+                  <p:par>
+                    <p:cTn id="11" fill="hold">
+                      <p:stCondLst>
+                        <p:cond delay="indefinite"/>
+                      </p:stCondLst>
+                      <p:childTnLst>
+                        <p:par>
+                          <p:cTn id="12" fill="hold">
+                            <p:stCondLst>
+                              <p:cond delay="0"/>
+                            </p:stCondLst>
+                            <p:childTnLst>
+                              <p:par>
+                                <p:cTn id="13" presetID="1" presetClass="entr" presetSubtype="0" fill="hold" nodeType="clickEffect">
+                                  <p:stCondLst>
+                                    <p:cond delay="0"/>
+                                  </p:stCondLst>
+                                  <p:childTnLst>
+                                    <p:set>
+                                      <p:cBhvr>
+                                        <p:cTn id="14" dur="1" fill="hold">
+                                          <p:stCondLst>
+                                            <p:cond delay="0"/>
+                                          </p:stCondLst>
+                                        </p:cTn>
+                                        <p:tgtEl>
+                                          <p:spTgt spid="98">
+                                            <p:txEl>
+                                              <p:pRg st="4" end="4"/>
+                                            </p:txEl>
+                                          </p:spTgt>
+                                        </p:tgtEl>
+                                        <p:attrNameLst>
+                                          <p:attrName>style.visibility</p:attrName>
+                                        </p:attrNameLst>
+                                      </p:cBhvr>
+                                      <p:to>
+                                        <p:strVal val="visible"/>
+                                      </p:to>
+                                    </p:set>
+                                  </p:childTnLst>
+                                </p:cTn>
+                              </p:par>
+                            </p:childTnLst>
+                          </p:cTn>
+                        </p:par>
+                      </p:childTnLst>
+                    </p:cTn>
+                  </p:par>
+                  <p:par>
+                    <p:cTn id="15" fill="hold">
+                      <p:stCondLst>
+                        <p:cond delay="indefinite"/>
+                      </p:stCondLst>
+                      <p:childTnLst>
+                        <p:par>
+                          <p:cTn id="16" fill="hold">
+                            <p:stCondLst>
+                              <p:cond delay="0"/>
+                            </p:stCondLst>
+                            <p:childTnLst>
+                              <p:par>
+                                <p:cTn id="17" presetID="1" presetClass="entr" presetSubtype="0" fill="hold" nodeType="clickEffect">
+                                  <p:stCondLst>
+                                    <p:cond delay="0"/>
+                                  </p:stCondLst>
+                                  <p:childTnLst>
+                                    <p:set>
+                                      <p:cBhvr>
+                                        <p:cTn id="18" dur="1" fill="hold">
+                                          <p:stCondLst>
+                                            <p:cond delay="0"/>
+                                          </p:stCondLst>
+                                        </p:cTn>
+                                        <p:tgtEl>
+                                          <p:spTgt spid="98">
+                                            <p:txEl>
+                                              <p:pRg st="5" end="5"/>
+                                            </p:txEl>
+                                          </p:spTgt>
+                                        </p:tgtEl>
+                                        <p:attrNameLst>
+                                          <p:attrName>style.visibility</p:attrName>
+                                        </p:attrNameLst>
+                                      </p:cBhvr>
+                                      <p:to>
+                                        <p:strVal val="visible"/>
+                                      </p:to>
+                                    </p:set>
+                                  </p:childTnLst>
+                                </p:cTn>
+                              </p:par>
+                            </p:childTnLst>
+                          </p:cTn>
+                        </p:par>
+                      </p:childTnLst>
+                    </p:cTn>
+                  </p:par>
+                  <p:par>
+                    <p:cTn id="19" fill="hold">
+                      <p:stCondLst>
+                        <p:cond delay="indefinite"/>
+                      </p:stCondLst>
+                      <p:childTnLst>
+                        <p:par>
+                          <p:cTn id="20" fill="hold">
+                            <p:stCondLst>
+                              <p:cond delay="0"/>
+                            </p:stCondLst>
+                            <p:childTnLst>
+                              <p:par>
+                                <p:cTn id="21" presetID="1" presetClass="entr" presetSubtype="0" fill="hold" nodeType="clickEffect">
+                                  <p:stCondLst>
+                                    <p:cond delay="0"/>
+                                  </p:stCondLst>
+                                  <p:childTnLst>
+                                    <p:set>
+                                      <p:cBhvr>
+                                        <p:cTn id="22" dur="1" fill="hold">
+                                          <p:stCondLst>
+                                            <p:cond delay="0"/>
+                                          </p:stCondLst>
+                                        </p:cTn>
+                                        <p:tgtEl>
+                                          <p:spTgt spid="98">
+                                            <p:txEl>
+                                              <p:pRg st="6" end="6"/>
+                                            </p:txEl>
+                                          </p:spTgt>
+                                        </p:tgtEl>
+                                        <p:attrNameLst>
+                                          <p:attrName>style.visibility</p:attrName>
+                                        </p:attrNameLst>
+                                      </p:cBhvr>
+                                      <p:to>
+                                        <p:strVal val="visible"/>
+                                      </p:to>
+                                    </p:set>
+                                  </p:childTnLst>
+                                </p:cTn>
+                              </p:par>
+                            </p:childTnLst>
+                          </p:cTn>
+                        </p:par>
+                      </p:childTnLst>
+                    </p:cTn>
+                  </p:par>
+                  <p:par>
+                    <p:cTn id="23" fill="hold">
+                      <p:stCondLst>
+                        <p:cond delay="indefinite"/>
+                      </p:stCondLst>
+                      <p:childTnLst>
+                        <p:par>
+                          <p:cTn id="24" fill="hold">
+                            <p:stCondLst>
+                              <p:cond delay="0"/>
+                            </p:stCondLst>
+                            <p:childTnLst>
+                              <p:par>
+                                <p:cTn id="25" presetID="1" presetClass="entr" presetSubtype="0" fill="hold" nodeType="clickEffect">
+                                  <p:stCondLst>
+                                    <p:cond delay="0"/>
+                                  </p:stCondLst>
+                                  <p:childTnLst>
+                                    <p:set>
+                                      <p:cBhvr>
+                                        <p:cTn id="26" dur="1" fill="hold">
+                                          <p:stCondLst>
+                                            <p:cond delay="0"/>
+                                          </p:stCondLst>
+                                        </p:cTn>
+                                        <p:tgtEl>
+                                          <p:spTgt spid="98">
+                                            <p:txEl>
+                                              <p:pRg st="8" end="8"/>
+                                            </p:txEl>
+                                          </p:spTgt>
+                                        </p:tgtEl>
+                                        <p:attrNameLst>
+                                          <p:attrName>style.visibility</p:attrName>
+                                        </p:attrNameLst>
+                                      </p:cBhvr>
+                                      <p:to>
+                                        <p:strVal val="visible"/>
+                                      </p:to>
+                                    </p:set>
+                                  </p:childTnLst>
+                                </p:cTn>
+                              </p:par>
+                            </p:childTnLst>
+                          </p:cTn>
+                        </p:par>
+                      </p:childTnLst>
+                    </p:cTn>
+                  </p:par>
+                  <p:par>
+                    <p:cTn id="27" fill="hold">
+                      <p:stCondLst>
+                        <p:cond delay="indefinite"/>
+                      </p:stCondLst>
+                      <p:childTnLst>
+                        <p:par>
+                          <p:cTn id="28" fill="hold">
+                            <p:stCondLst>
+                              <p:cond delay="0"/>
+                            </p:stCondLst>
+                            <p:childTnLst>
+                              <p:par>
+                                <p:cTn id="29" presetID="1" presetClass="entr" presetSubtype="0" fill="hold" nodeType="clickEffect">
+                                  <p:stCondLst>
+                                    <p:cond delay="0"/>
+                                  </p:stCondLst>
+                                  <p:childTnLst>
+                                    <p:set>
+                                      <p:cBhvr>
+                                        <p:cTn id="30" dur="1" fill="hold">
+                                          <p:stCondLst>
+                                            <p:cond delay="0"/>
+                                          </p:stCondLst>
+                                        </p:cTn>
+                                        <p:tgtEl>
+                                          <p:spTgt spid="98">
+                                            <p:txEl>
+                                              <p:pRg st="9" end="9"/>
+                                            </p:txEl>
+                                          </p:spTgt>
+                                        </p:tgtEl>
+                                        <p:attrNameLst>
+                                          <p:attrName>style.visibility</p:attrName>
+                                        </p:attrNameLst>
+                                      </p:cBhvr>
+                                      <p:to>
+                                        <p:strVal val="visible"/>
+                                      </p:to>
+                                    </p:set>
+                                  </p:childTnLst>
+                                </p:cTn>
+                              </p:par>
+                            </p:childTnLst>
+                          </p:cTn>
+                        </p:par>
+                      </p:childTnLst>
+                    </p:cTn>
+                  </p:par>
+                  <p:par>
+                    <p:cTn id="31" fill="hold">
+                      <p:stCondLst>
+                        <p:cond delay="indefinite"/>
+                      </p:stCondLst>
+                      <p:childTnLst>
+                        <p:par>
+                          <p:cTn id="32" fill="hold">
+                            <p:stCondLst>
+                              <p:cond delay="0"/>
+                            </p:stCondLst>
+                            <p:childTnLst>
+                              <p:par>
+                                <p:cTn id="33" presetID="1" presetClass="entr" presetSubtype="0" fill="hold" nodeType="clickEffect">
+                                  <p:stCondLst>
+                                    <p:cond delay="0"/>
+                                  </p:stCondLst>
+                                  <p:childTnLst>
+                                    <p:set>
+                                      <p:cBhvr>
+                                        <p:cTn id="34" dur="1" fill="hold">
+                                          <p:stCondLst>
+                                            <p:cond delay="0"/>
+                                          </p:stCondLst>
+                                        </p:cTn>
+                                        <p:tgtEl>
+                                          <p:spTgt spid="98">
+                                            <p:txEl>
+                                              <p:pRg st="10" end="10"/>
+                                            </p:txEl>
+                                          </p:spTgt>
+                                        </p:tgtEl>
+                                        <p:attrNameLst>
+                                          <p:attrName>style.visibility</p:attrName>
+                                        </p:attrNameLst>
+                                      </p:cBhvr>
+                                      <p:to>
+                                        <p:strVal val="visible"/>
+                                      </p:to>
+                                    </p:set>
+                                  </p:childTnLst>
+                                </p:cTn>
+                              </p:par>
+                            </p:childTnLst>
+                          </p:cTn>
+                        </p:par>
+                      </p:childTnLst>
+                    </p:cTn>
+                  </p:par>
+                  <p:par>
+                    <p:cTn id="35" fill="hold">
+                      <p:stCondLst>
+                        <p:cond delay="indefinite"/>
+                      </p:stCondLst>
+                      <p:childTnLst>
+                        <p:par>
+                          <p:cTn id="36" fill="hold">
+                            <p:stCondLst>
+                              <p:cond delay="0"/>
+                            </p:stCondLst>
+                            <p:childTnLst>
+                              <p:par>
+                                <p:cTn id="37" presetID="1" presetClass="entr" presetSubtype="0" fill="hold" nodeType="clickEffect">
+                                  <p:stCondLst>
+                                    <p:cond delay="0"/>
+                                  </p:stCondLst>
+                                  <p:childTnLst>
+                                    <p:set>
+                                      <p:cBhvr>
+                                        <p:cTn id="38" dur="1" fill="hold">
+                                          <p:stCondLst>
+                                            <p:cond delay="0"/>
+                                          </p:stCondLst>
+                                        </p:cTn>
+                                        <p:tgtEl>
+                                          <p:spTgt spid="98">
+                                            <p:txEl>
+                                              <p:pRg st="11" end="11"/>
+                                            </p:txEl>
+                                          </p:spTgt>
+                                        </p:tgtEl>
+                                        <p:attrNameLst>
+                                          <p:attrName>style.visibility</p:attrName>
+                                        </p:attrNameLst>
+                                      </p:cBhvr>
+                                      <p:to>
+                                        <p:strVal val="visible"/>
+                                      </p:to>
+                                    </p:set>
+                                  </p:childTnLst>
+                                </p:cTn>
+                              </p:par>
+                            </p:childTnLst>
+                          </p:cTn>
+                        </p:par>
+                      </p:childTnLst>
+                    </p:cTn>
+                  </p:par>
+                  <p:par>
+                    <p:cTn id="39" fill="hold">
+                      <p:stCondLst>
+                        <p:cond delay="indefinite"/>
+                      </p:stCondLst>
+                      <p:childTnLst>
+                        <p:par>
+                          <p:cTn id="40" fill="hold">
+                            <p:stCondLst>
+                              <p:cond delay="0"/>
+                            </p:stCondLst>
+                            <p:childTnLst>
+                              <p:par>
+                                <p:cTn id="41" presetID="1" presetClass="entr" presetSubtype="0" fill="hold" nodeType="clickEffect">
+                                  <p:stCondLst>
+                                    <p:cond delay="0"/>
+                                  </p:stCondLst>
+                                  <p:childTnLst>
+                                    <p:set>
+                                      <p:cBhvr>
+                                        <p:cTn id="42" dur="1" fill="hold">
+                                          <p:stCondLst>
+                                            <p:cond delay="0"/>
+                                          </p:stCondLst>
+                                        </p:cTn>
+                                        <p:tgtEl>
+                                          <p:spTgt spid="98">
+                                            <p:txEl>
+                                              <p:pRg st="12" end="12"/>
+                                            </p:txEl>
+                                          </p:spTgt>
+                                        </p:tgtEl>
+                                        <p:attrNameLst>
+                                          <p:attrName>style.visibility</p:attrName>
+                                        </p:attrNameLst>
+                                      </p:cBhvr>
+                                      <p:to>
+                                        <p:strVal val="visible"/>
+                                      </p:to>
+                                    </p:set>
+                                  </p:childTnLst>
+                                </p:cTn>
+                              </p:par>
+                            </p:childTnLst>
+                          </p:cTn>
+                        </p:par>
+                      </p:childTnLst>
+                    </p:cTn>
+                  </p:par>
+                  <p:par>
+                    <p:cTn id="43" fill="hold">
+                      <p:stCondLst>
+                        <p:cond delay="indefinite"/>
+                      </p:stCondLst>
+                      <p:childTnLst>
+                        <p:par>
+                          <p:cTn id="44" fill="hold">
+                            <p:stCondLst>
+                              <p:cond delay="0"/>
+                            </p:stCondLst>
+                            <p:childTnLst>
+                              <p:par>
+                                <p:cTn id="45" presetID="1" presetClass="entr" presetSubtype="0" fill="hold" nodeType="clickEffect">
+                                  <p:stCondLst>
+                                    <p:cond delay="0"/>
+                                  </p:stCondLst>
+                                  <p:childTnLst>
+                                    <p:set>
+                                      <p:cBhvr>
+                                        <p:cTn id="46" dur="1" fill="hold">
+                                          <p:stCondLst>
+                                            <p:cond delay="0"/>
+                                          </p:stCondLst>
+                                        </p:cTn>
+                                        <p:tgtEl>
+                                          <p:spTgt spid="98">
+                                            <p:txEl>
+                                              <p:pRg st="13" end="13"/>
+                                            </p:txEl>
+                                          </p:spTgt>
+                                        </p:tgtEl>
+                                        <p:attrNameLst>
+                                          <p:attrName>style.visibility</p:attrName>
+                                        </p:attrNameLst>
+                                      </p:cBhvr>
+                                      <p:to>
+                                        <p:strVal val="visible"/>
+                                      </p:to>
+                                    </p:set>
+                                  </p:childTnLst>
+                                </p:cTn>
+                              </p:par>
+                            </p:childTnLst>
+                          </p:cTn>
+                        </p:par>
+                      </p:childTnLst>
+                    </p:cTn>
+                  </p:par>
+                </p:childTnLst>
+              </p:cTn>
+              <p:prevCondLst>
+                <p:cond evt="onPrev" delay="0">
+                  <p:tgtEl>
+                    <p:sldTgt/>
+                  </p:tgtEl>
+                </p:cond>
+              </p:prevCondLst>
+              <p:nextCondLst>
+                <p:cond evt="onNext" delay="0">
+                  <p:tgtEl>
+                    <p:sldTgt/>
+                  </p:tgtEl>
+                </p:cond>
+              </p:nextCondLst>
+            </p:seq>
+          </p:childTnLst>
+        </p:cTn>
+      </p:par>
+    </p:tnLst>
+  </p:timing>
 </p:sld>
 </file>
 
@@ -9537,7 +10024,12 @@
             <p:ph type="ctrTitle"/>
           </p:nvPr>
         </p:nvSpPr>
-        <p:spPr/>
+        <p:spPr>
+          <a:xfrm>
+            <a:off x="0" y="2852"/>
+            <a:ext cx="9144000" cy="968375"/>
+          </a:xfrm>
+        </p:spPr>
         <p:txBody>
           <a:bodyPr/>
           <a:lstStyle/>
@@ -19539,6 +20031,232 @@
   <p:transition spd="slow">
     <p:push dir="u"/>
   </p:transition>
+  <p:timing>
+    <p:tnLst>
+      <p:par>
+        <p:cTn id="1" dur="indefinite" restart="never" nodeType="tmRoot">
+          <p:childTnLst>
+            <p:seq concurrent="1" nextAc="seek">
+              <p:cTn id="2" dur="indefinite" nodeType="mainSeq">
+                <p:childTnLst>
+                  <p:par>
+                    <p:cTn id="3" fill="hold">
+                      <p:stCondLst>
+                        <p:cond delay="indefinite"/>
+                      </p:stCondLst>
+                      <p:childTnLst>
+                        <p:par>
+                          <p:cTn id="4" fill="hold">
+                            <p:stCondLst>
+                              <p:cond delay="0"/>
+                            </p:stCondLst>
+                            <p:childTnLst>
+                              <p:par>
+                                <p:cTn id="5" presetID="1" presetClass="entr" presetSubtype="0" fill="hold" nodeType="clickEffect">
+                                  <p:stCondLst>
+                                    <p:cond delay="0"/>
+                                  </p:stCondLst>
+                                  <p:childTnLst>
+                                    <p:set>
+                                      <p:cBhvr>
+                                        <p:cTn id="6" dur="1" fill="hold">
+                                          <p:stCondLst>
+                                            <p:cond delay="0"/>
+                                          </p:stCondLst>
+                                        </p:cTn>
+                                        <p:tgtEl>
+                                          <p:spTgt spid="137">
+                                            <p:txEl>
+                                              <p:pRg st="0" end="0"/>
+                                            </p:txEl>
+                                          </p:spTgt>
+                                        </p:tgtEl>
+                                        <p:attrNameLst>
+                                          <p:attrName>style.visibility</p:attrName>
+                                        </p:attrNameLst>
+                                      </p:cBhvr>
+                                      <p:to>
+                                        <p:strVal val="visible"/>
+                                      </p:to>
+                                    </p:set>
+                                  </p:childTnLst>
+                                </p:cTn>
+                              </p:par>
+                            </p:childTnLst>
+                          </p:cTn>
+                        </p:par>
+                      </p:childTnLst>
+                    </p:cTn>
+                  </p:par>
+                  <p:par>
+                    <p:cTn id="7" fill="hold">
+                      <p:stCondLst>
+                        <p:cond delay="indefinite"/>
+                      </p:stCondLst>
+                      <p:childTnLst>
+                        <p:par>
+                          <p:cTn id="8" fill="hold">
+                            <p:stCondLst>
+                              <p:cond delay="0"/>
+                            </p:stCondLst>
+                            <p:childTnLst>
+                              <p:par>
+                                <p:cTn id="9" presetID="1" presetClass="entr" presetSubtype="0" fill="hold" nodeType="clickEffect">
+                                  <p:stCondLst>
+                                    <p:cond delay="0"/>
+                                  </p:stCondLst>
+                                  <p:childTnLst>
+                                    <p:set>
+                                      <p:cBhvr>
+                                        <p:cTn id="10" dur="1" fill="hold">
+                                          <p:stCondLst>
+                                            <p:cond delay="0"/>
+                                          </p:stCondLst>
+                                        </p:cTn>
+                                        <p:tgtEl>
+                                          <p:spTgt spid="137">
+                                            <p:txEl>
+                                              <p:pRg st="1" end="1"/>
+                                            </p:txEl>
+                                          </p:spTgt>
+                                        </p:tgtEl>
+                                        <p:attrNameLst>
+                                          <p:attrName>style.visibility</p:attrName>
+                                        </p:attrNameLst>
+                                      </p:cBhvr>
+                                      <p:to>
+                                        <p:strVal val="visible"/>
+                                      </p:to>
+                                    </p:set>
+                                  </p:childTnLst>
+                                </p:cTn>
+                              </p:par>
+                            </p:childTnLst>
+                          </p:cTn>
+                        </p:par>
+                      </p:childTnLst>
+                    </p:cTn>
+                  </p:par>
+                  <p:par>
+                    <p:cTn id="11" fill="hold">
+                      <p:stCondLst>
+                        <p:cond delay="indefinite"/>
+                      </p:stCondLst>
+                      <p:childTnLst>
+                        <p:par>
+                          <p:cTn id="12" fill="hold">
+                            <p:stCondLst>
+                              <p:cond delay="0"/>
+                            </p:stCondLst>
+                            <p:childTnLst>
+                              <p:par>
+                                <p:cTn id="13" presetID="1" presetClass="entr" presetSubtype="0" fill="hold" nodeType="clickEffect">
+                                  <p:stCondLst>
+                                    <p:cond delay="0"/>
+                                  </p:stCondLst>
+                                  <p:childTnLst>
+                                    <p:set>
+                                      <p:cBhvr>
+                                        <p:cTn id="14" dur="1" fill="hold">
+                                          <p:stCondLst>
+                                            <p:cond delay="0"/>
+                                          </p:stCondLst>
+                                        </p:cTn>
+                                        <p:tgtEl>
+                                          <p:spTgt spid="137">
+                                            <p:txEl>
+                                              <p:pRg st="2" end="2"/>
+                                            </p:txEl>
+                                          </p:spTgt>
+                                        </p:tgtEl>
+                                        <p:attrNameLst>
+                                          <p:attrName>style.visibility</p:attrName>
+                                        </p:attrNameLst>
+                                      </p:cBhvr>
+                                      <p:to>
+                                        <p:strVal val="visible"/>
+                                      </p:to>
+                                    </p:set>
+                                  </p:childTnLst>
+                                </p:cTn>
+                              </p:par>
+                            </p:childTnLst>
+                          </p:cTn>
+                        </p:par>
+                      </p:childTnLst>
+                    </p:cTn>
+                  </p:par>
+                  <p:par>
+                    <p:cTn id="15" fill="hold">
+                      <p:stCondLst>
+                        <p:cond delay="indefinite"/>
+                      </p:stCondLst>
+                      <p:childTnLst>
+                        <p:par>
+                          <p:cTn id="16" fill="hold">
+                            <p:stCondLst>
+                              <p:cond delay="0"/>
+                            </p:stCondLst>
+                            <p:childTnLst>
+                              <p:par>
+                                <p:cTn id="17" presetID="1" presetClass="entr" presetSubtype="0" fill="hold" nodeType="clickEffect">
+                                  <p:stCondLst>
+                                    <p:cond delay="0"/>
+                                  </p:stCondLst>
+                                  <p:childTnLst>
+                                    <p:set>
+                                      <p:cBhvr>
+                                        <p:cTn id="18" dur="1" fill="hold">
+                                          <p:stCondLst>
+                                            <p:cond delay="0"/>
+                                          </p:stCondLst>
+                                        </p:cTn>
+                                        <p:tgtEl>
+                                          <p:spTgt spid="137">
+                                            <p:txEl>
+                                              <p:pRg st="3" end="3"/>
+                                            </p:txEl>
+                                          </p:spTgt>
+                                        </p:tgtEl>
+                                        <p:attrNameLst>
+                                          <p:attrName>style.visibility</p:attrName>
+                                        </p:attrNameLst>
+                                      </p:cBhvr>
+                                      <p:to>
+                                        <p:strVal val="visible"/>
+                                      </p:to>
+                                    </p:set>
+                                  </p:childTnLst>
+                                </p:cTn>
+                              </p:par>
+                            </p:childTnLst>
+                          </p:cTn>
+                        </p:par>
+                      </p:childTnLst>
+                    </p:cTn>
+                  </p:par>
+                </p:childTnLst>
+              </p:cTn>
+              <p:prevCondLst>
+                <p:cond evt="onPrev" delay="0">
+                  <p:tgtEl>
+                    <p:sldTgt/>
+                  </p:tgtEl>
+                </p:cond>
+              </p:prevCondLst>
+              <p:nextCondLst>
+                <p:cond evt="onNext" delay="0">
+                  <p:tgtEl>
+                    <p:sldTgt/>
+                  </p:tgtEl>
+                </p:cond>
+              </p:nextCondLst>
+            </p:seq>
+          </p:childTnLst>
+        </p:cTn>
+      </p:par>
+    </p:tnLst>
+  </p:timing>
 </p:sld>
 </file>
 
@@ -19709,275 +20427,8 @@
             </a:r>
             <a:endParaRPr sz="2000" u="sng" dirty="0"/>
           </a:p>
-          <a:p>
-            <a:pPr marL="0" lvl="0" indent="0" algn="l" rtl="0">
-              <a:spcBef>
-                <a:spcPts val="1600"/>
-              </a:spcBef>
-              <a:spcAft>
-                <a:spcPts val="1600"/>
-              </a:spcAft>
-              <a:buNone/>
-            </a:pPr>
-            <a:endParaRPr sz="2000" b="1" dirty="0"/>
-          </a:p>
         </p:txBody>
       </p:sp>
-      <mc:AlternateContent xmlns:mc="http://schemas.openxmlformats.org/markup-compatibility/2006" xmlns:p14="http://schemas.microsoft.com/office/powerpoint/2010/main">
-        <mc:Choice Requires="p14">
-          <p:contentPart p14:bwMode="auto" r:id="rId3">
-            <p14:nvContentPartPr>
-              <p14:cNvPr id="2" name="Ink 1">
-                <a:extLst>
-                  <a:ext uri="{FF2B5EF4-FFF2-40B4-BE49-F238E27FC236}">
-                    <a16:creationId xmlns:a16="http://schemas.microsoft.com/office/drawing/2014/main" id="{132C76F0-50DF-4592-923F-13125040DFB5}"/>
-                  </a:ext>
-                </a:extLst>
-              </p14:cNvPr>
-              <p14:cNvContentPartPr/>
-              <p14:nvPr/>
-            </p14:nvContentPartPr>
-            <p14:xfrm>
-              <a:off x="132120" y="4193280"/>
-              <a:ext cx="3179520" cy="32760"/>
-            </p14:xfrm>
-          </p:contentPart>
-        </mc:Choice>
-        <mc:Fallback xmlns="">
-          <p:pic>
-            <p:nvPicPr>
-              <p:cNvPr id="2" name="Ink 1">
-                <a:extLst>
-                  <a:ext uri="{FF2B5EF4-FFF2-40B4-BE49-F238E27FC236}">
-                    <a16:creationId xmlns:a16="http://schemas.microsoft.com/office/drawing/2014/main" id="{132C76F0-50DF-4592-923F-13125040DFB5}"/>
-                  </a:ext>
-                </a:extLst>
-              </p:cNvPr>
-              <p:cNvPicPr/>
-              <p:nvPr/>
-            </p:nvPicPr>
-            <p:blipFill>
-              <a:blip r:embed="rId4"/>
-              <a:stretch>
-                <a:fillRect/>
-              </a:stretch>
-            </p:blipFill>
-            <p:spPr>
-              <a:xfrm>
-                <a:off x="116280" y="4129920"/>
-                <a:ext cx="3210840" cy="159480"/>
-              </a:xfrm>
-              <a:prstGeom prst="rect">
-                <a:avLst/>
-              </a:prstGeom>
-            </p:spPr>
-          </p:pic>
-        </mc:Fallback>
-      </mc:AlternateContent>
-      <mc:AlternateContent xmlns:mc="http://schemas.openxmlformats.org/markup-compatibility/2006" xmlns:p14="http://schemas.microsoft.com/office/powerpoint/2010/main">
-        <mc:Choice Requires="p14">
-          <p:contentPart p14:bwMode="auto" r:id="rId5">
-            <p14:nvContentPartPr>
-              <p14:cNvPr id="3" name="Ink 2">
-                <a:extLst>
-                  <a:ext uri="{FF2B5EF4-FFF2-40B4-BE49-F238E27FC236}">
-                    <a16:creationId xmlns:a16="http://schemas.microsoft.com/office/drawing/2014/main" id="{EB1C25E7-EA1D-4EF7-B337-C4D84C6E3773}"/>
-                  </a:ext>
-                </a:extLst>
-              </p14:cNvPr>
-              <p14:cNvContentPartPr/>
-              <p14:nvPr/>
-            </p14:nvContentPartPr>
-            <p14:xfrm>
-              <a:off x="128520" y="4068360"/>
-              <a:ext cx="3286440" cy="132480"/>
-            </p14:xfrm>
-          </p:contentPart>
-        </mc:Choice>
-        <mc:Fallback xmlns="">
-          <p:pic>
-            <p:nvPicPr>
-              <p:cNvPr id="3" name="Ink 2">
-                <a:extLst>
-                  <a:ext uri="{FF2B5EF4-FFF2-40B4-BE49-F238E27FC236}">
-                    <a16:creationId xmlns:a16="http://schemas.microsoft.com/office/drawing/2014/main" id="{EB1C25E7-EA1D-4EF7-B337-C4D84C6E3773}"/>
-                  </a:ext>
-                </a:extLst>
-              </p:cNvPr>
-              <p:cNvPicPr/>
-              <p:nvPr/>
-            </p:nvPicPr>
-            <p:blipFill>
-              <a:blip r:embed="rId6"/>
-              <a:stretch>
-                <a:fillRect/>
-              </a:stretch>
-            </p:blipFill>
-            <p:spPr>
-              <a:xfrm>
-                <a:off x="112680" y="4005000"/>
-                <a:ext cx="3317760" cy="259200"/>
-              </a:xfrm>
-              <a:prstGeom prst="rect">
-                <a:avLst/>
-              </a:prstGeom>
-            </p:spPr>
-          </p:pic>
-        </mc:Fallback>
-      </mc:AlternateContent>
-      <mc:AlternateContent xmlns:mc="http://schemas.openxmlformats.org/markup-compatibility/2006" xmlns:p14="http://schemas.microsoft.com/office/powerpoint/2010/main">
-        <mc:Choice Requires="p14">
-          <p:contentPart p14:bwMode="auto" r:id="rId7">
-            <p14:nvContentPartPr>
-              <p14:cNvPr id="4" name="Ink 3">
-                <a:extLst>
-                  <a:ext uri="{FF2B5EF4-FFF2-40B4-BE49-F238E27FC236}">
-                    <a16:creationId xmlns:a16="http://schemas.microsoft.com/office/drawing/2014/main" id="{AC6C4AB7-54C1-483D-8B85-3D97F01C5A40}"/>
-                  </a:ext>
-                </a:extLst>
-              </p14:cNvPr>
-              <p14:cNvContentPartPr/>
-              <p14:nvPr/>
-            </p14:nvContentPartPr>
-            <p14:xfrm>
-              <a:off x="-1321560" y="4286160"/>
-              <a:ext cx="4772520" cy="86040"/>
-            </p14:xfrm>
-          </p:contentPart>
-        </mc:Choice>
-        <mc:Fallback xmlns="">
-          <p:pic>
-            <p:nvPicPr>
-              <p:cNvPr id="4" name="Ink 3">
-                <a:extLst>
-                  <a:ext uri="{FF2B5EF4-FFF2-40B4-BE49-F238E27FC236}">
-                    <a16:creationId xmlns:a16="http://schemas.microsoft.com/office/drawing/2014/main" id="{AC6C4AB7-54C1-483D-8B85-3D97F01C5A40}"/>
-                  </a:ext>
-                </a:extLst>
-              </p:cNvPr>
-              <p:cNvPicPr/>
-              <p:nvPr/>
-            </p:nvPicPr>
-            <p:blipFill>
-              <a:blip r:embed="rId8"/>
-              <a:stretch>
-                <a:fillRect/>
-              </a:stretch>
-            </p:blipFill>
-            <p:spPr>
-              <a:xfrm>
-                <a:off x="-1337400" y="4222800"/>
-                <a:ext cx="4803840" cy="212760"/>
-              </a:xfrm>
-              <a:prstGeom prst="rect">
-                <a:avLst/>
-              </a:prstGeom>
-            </p:spPr>
-          </p:pic>
-        </mc:Fallback>
-      </mc:AlternateContent>
-      <mc:AlternateContent xmlns:mc="http://schemas.openxmlformats.org/markup-compatibility/2006" xmlns:p14="http://schemas.microsoft.com/office/powerpoint/2010/main">
-        <mc:Choice Requires="p14">
-          <p:contentPart p14:bwMode="auto" r:id="rId9">
-            <p14:nvContentPartPr>
-              <p14:cNvPr id="5" name="Ink 4">
-                <a:extLst>
-                  <a:ext uri="{FF2B5EF4-FFF2-40B4-BE49-F238E27FC236}">
-                    <a16:creationId xmlns:a16="http://schemas.microsoft.com/office/drawing/2014/main" id="{71F2BE8B-25F7-4EC9-AC7A-F3592806ADAC}"/>
-                  </a:ext>
-                </a:extLst>
-              </p14:cNvPr>
-              <p14:cNvContentPartPr/>
-              <p14:nvPr/>
-            </p14:nvContentPartPr>
-            <p14:xfrm>
-              <a:off x="1703880" y="4239720"/>
-              <a:ext cx="1739880" cy="68400"/>
-            </p14:xfrm>
-          </p:contentPart>
-        </mc:Choice>
-        <mc:Fallback xmlns="">
-          <p:pic>
-            <p:nvPicPr>
-              <p:cNvPr id="5" name="Ink 4">
-                <a:extLst>
-                  <a:ext uri="{FF2B5EF4-FFF2-40B4-BE49-F238E27FC236}">
-                    <a16:creationId xmlns:a16="http://schemas.microsoft.com/office/drawing/2014/main" id="{71F2BE8B-25F7-4EC9-AC7A-F3592806ADAC}"/>
-                  </a:ext>
-                </a:extLst>
-              </p:cNvPr>
-              <p:cNvPicPr/>
-              <p:nvPr/>
-            </p:nvPicPr>
-            <p:blipFill>
-              <a:blip r:embed="rId10"/>
-              <a:stretch>
-                <a:fillRect/>
-              </a:stretch>
-            </p:blipFill>
-            <p:spPr>
-              <a:xfrm>
-                <a:off x="1688040" y="4176360"/>
-                <a:ext cx="1771200" cy="195120"/>
-              </a:xfrm>
-              <a:prstGeom prst="rect">
-                <a:avLst/>
-              </a:prstGeom>
-            </p:spPr>
-          </p:pic>
-        </mc:Fallback>
-      </mc:AlternateContent>
-      <mc:AlternateContent xmlns:mc="http://schemas.openxmlformats.org/markup-compatibility/2006" xmlns:p14="http://schemas.microsoft.com/office/powerpoint/2010/main">
-        <mc:Choice Requires="p14">
-          <p:contentPart p14:bwMode="auto" r:id="rId11">
-            <p14:nvContentPartPr>
-              <p14:cNvPr id="6" name="Ink 5">
-                <a:extLst>
-                  <a:ext uri="{FF2B5EF4-FFF2-40B4-BE49-F238E27FC236}">
-                    <a16:creationId xmlns:a16="http://schemas.microsoft.com/office/drawing/2014/main" id="{5581D659-709E-4032-8F14-4DE8CFCDD098}"/>
-                  </a:ext>
-                </a:extLst>
-              </p14:cNvPr>
-              <p14:cNvContentPartPr/>
-              <p14:nvPr/>
-            </p14:nvContentPartPr>
-            <p14:xfrm>
-              <a:off x="-1193040" y="4304160"/>
-              <a:ext cx="4425840" cy="68040"/>
-            </p14:xfrm>
-          </p:contentPart>
-        </mc:Choice>
-        <mc:Fallback xmlns="">
-          <p:pic>
-            <p:nvPicPr>
-              <p:cNvPr id="6" name="Ink 5">
-                <a:extLst>
-                  <a:ext uri="{FF2B5EF4-FFF2-40B4-BE49-F238E27FC236}">
-                    <a16:creationId xmlns:a16="http://schemas.microsoft.com/office/drawing/2014/main" id="{5581D659-709E-4032-8F14-4DE8CFCDD098}"/>
-                  </a:ext>
-                </a:extLst>
-              </p:cNvPr>
-              <p:cNvPicPr/>
-              <p:nvPr/>
-            </p:nvPicPr>
-            <p:blipFill>
-              <a:blip r:embed="rId12"/>
-              <a:stretch>
-                <a:fillRect/>
-              </a:stretch>
-            </p:blipFill>
-            <p:spPr>
-              <a:xfrm>
-                <a:off x="-1208880" y="4240800"/>
-                <a:ext cx="4457160" cy="194760"/>
-              </a:xfrm>
-              <a:prstGeom prst="rect">
-                <a:avLst/>
-              </a:prstGeom>
-            </p:spPr>
-          </p:pic>
-        </mc:Fallback>
-      </mc:AlternateContent>
     </p:spTree>
   </p:cSld>
   <p:clrMapOvr>
@@ -19986,6 +20437,232 @@
   <p:transition spd="slow">
     <p:push dir="u"/>
   </p:transition>
+  <p:timing>
+    <p:tnLst>
+      <p:par>
+        <p:cTn id="1" dur="indefinite" restart="never" nodeType="tmRoot">
+          <p:childTnLst>
+            <p:seq concurrent="1" nextAc="seek">
+              <p:cTn id="2" dur="indefinite" nodeType="mainSeq">
+                <p:childTnLst>
+                  <p:par>
+                    <p:cTn id="3" fill="hold">
+                      <p:stCondLst>
+                        <p:cond delay="indefinite"/>
+                      </p:stCondLst>
+                      <p:childTnLst>
+                        <p:par>
+                          <p:cTn id="4" fill="hold">
+                            <p:stCondLst>
+                              <p:cond delay="0"/>
+                            </p:stCondLst>
+                            <p:childTnLst>
+                              <p:par>
+                                <p:cTn id="5" presetID="1" presetClass="entr" presetSubtype="0" fill="hold" nodeType="clickEffect">
+                                  <p:stCondLst>
+                                    <p:cond delay="0"/>
+                                  </p:stCondLst>
+                                  <p:childTnLst>
+                                    <p:set>
+                                      <p:cBhvr>
+                                        <p:cTn id="6" dur="1" fill="hold">
+                                          <p:stCondLst>
+                                            <p:cond delay="0"/>
+                                          </p:stCondLst>
+                                        </p:cTn>
+                                        <p:tgtEl>
+                                          <p:spTgt spid="143">
+                                            <p:txEl>
+                                              <p:pRg st="0" end="0"/>
+                                            </p:txEl>
+                                          </p:spTgt>
+                                        </p:tgtEl>
+                                        <p:attrNameLst>
+                                          <p:attrName>style.visibility</p:attrName>
+                                        </p:attrNameLst>
+                                      </p:cBhvr>
+                                      <p:to>
+                                        <p:strVal val="visible"/>
+                                      </p:to>
+                                    </p:set>
+                                  </p:childTnLst>
+                                </p:cTn>
+                              </p:par>
+                            </p:childTnLst>
+                          </p:cTn>
+                        </p:par>
+                      </p:childTnLst>
+                    </p:cTn>
+                  </p:par>
+                  <p:par>
+                    <p:cTn id="7" fill="hold">
+                      <p:stCondLst>
+                        <p:cond delay="indefinite"/>
+                      </p:stCondLst>
+                      <p:childTnLst>
+                        <p:par>
+                          <p:cTn id="8" fill="hold">
+                            <p:stCondLst>
+                              <p:cond delay="0"/>
+                            </p:stCondLst>
+                            <p:childTnLst>
+                              <p:par>
+                                <p:cTn id="9" presetID="1" presetClass="entr" presetSubtype="0" fill="hold" nodeType="clickEffect">
+                                  <p:stCondLst>
+                                    <p:cond delay="0"/>
+                                  </p:stCondLst>
+                                  <p:childTnLst>
+                                    <p:set>
+                                      <p:cBhvr>
+                                        <p:cTn id="10" dur="1" fill="hold">
+                                          <p:stCondLst>
+                                            <p:cond delay="0"/>
+                                          </p:stCondLst>
+                                        </p:cTn>
+                                        <p:tgtEl>
+                                          <p:spTgt spid="143">
+                                            <p:txEl>
+                                              <p:pRg st="1" end="1"/>
+                                            </p:txEl>
+                                          </p:spTgt>
+                                        </p:tgtEl>
+                                        <p:attrNameLst>
+                                          <p:attrName>style.visibility</p:attrName>
+                                        </p:attrNameLst>
+                                      </p:cBhvr>
+                                      <p:to>
+                                        <p:strVal val="visible"/>
+                                      </p:to>
+                                    </p:set>
+                                  </p:childTnLst>
+                                </p:cTn>
+                              </p:par>
+                            </p:childTnLst>
+                          </p:cTn>
+                        </p:par>
+                      </p:childTnLst>
+                    </p:cTn>
+                  </p:par>
+                  <p:par>
+                    <p:cTn id="11" fill="hold">
+                      <p:stCondLst>
+                        <p:cond delay="indefinite"/>
+                      </p:stCondLst>
+                      <p:childTnLst>
+                        <p:par>
+                          <p:cTn id="12" fill="hold">
+                            <p:stCondLst>
+                              <p:cond delay="0"/>
+                            </p:stCondLst>
+                            <p:childTnLst>
+                              <p:par>
+                                <p:cTn id="13" presetID="1" presetClass="entr" presetSubtype="0" fill="hold" nodeType="clickEffect">
+                                  <p:stCondLst>
+                                    <p:cond delay="0"/>
+                                  </p:stCondLst>
+                                  <p:childTnLst>
+                                    <p:set>
+                                      <p:cBhvr>
+                                        <p:cTn id="14" dur="1" fill="hold">
+                                          <p:stCondLst>
+                                            <p:cond delay="0"/>
+                                          </p:stCondLst>
+                                        </p:cTn>
+                                        <p:tgtEl>
+                                          <p:spTgt spid="143">
+                                            <p:txEl>
+                                              <p:pRg st="2" end="2"/>
+                                            </p:txEl>
+                                          </p:spTgt>
+                                        </p:tgtEl>
+                                        <p:attrNameLst>
+                                          <p:attrName>style.visibility</p:attrName>
+                                        </p:attrNameLst>
+                                      </p:cBhvr>
+                                      <p:to>
+                                        <p:strVal val="visible"/>
+                                      </p:to>
+                                    </p:set>
+                                  </p:childTnLst>
+                                </p:cTn>
+                              </p:par>
+                            </p:childTnLst>
+                          </p:cTn>
+                        </p:par>
+                      </p:childTnLst>
+                    </p:cTn>
+                  </p:par>
+                  <p:par>
+                    <p:cTn id="15" fill="hold">
+                      <p:stCondLst>
+                        <p:cond delay="indefinite"/>
+                      </p:stCondLst>
+                      <p:childTnLst>
+                        <p:par>
+                          <p:cTn id="16" fill="hold">
+                            <p:stCondLst>
+                              <p:cond delay="0"/>
+                            </p:stCondLst>
+                            <p:childTnLst>
+                              <p:par>
+                                <p:cTn id="17" presetID="1" presetClass="entr" presetSubtype="0" fill="hold" nodeType="clickEffect">
+                                  <p:stCondLst>
+                                    <p:cond delay="0"/>
+                                  </p:stCondLst>
+                                  <p:childTnLst>
+                                    <p:set>
+                                      <p:cBhvr>
+                                        <p:cTn id="18" dur="1" fill="hold">
+                                          <p:stCondLst>
+                                            <p:cond delay="0"/>
+                                          </p:stCondLst>
+                                        </p:cTn>
+                                        <p:tgtEl>
+                                          <p:spTgt spid="143">
+                                            <p:txEl>
+                                              <p:pRg st="3" end="3"/>
+                                            </p:txEl>
+                                          </p:spTgt>
+                                        </p:tgtEl>
+                                        <p:attrNameLst>
+                                          <p:attrName>style.visibility</p:attrName>
+                                        </p:attrNameLst>
+                                      </p:cBhvr>
+                                      <p:to>
+                                        <p:strVal val="visible"/>
+                                      </p:to>
+                                    </p:set>
+                                  </p:childTnLst>
+                                </p:cTn>
+                              </p:par>
+                            </p:childTnLst>
+                          </p:cTn>
+                        </p:par>
+                      </p:childTnLst>
+                    </p:cTn>
+                  </p:par>
+                </p:childTnLst>
+              </p:cTn>
+              <p:prevCondLst>
+                <p:cond evt="onPrev" delay="0">
+                  <p:tgtEl>
+                    <p:sldTgt/>
+                  </p:tgtEl>
+                </p:cond>
+              </p:prevCondLst>
+              <p:nextCondLst>
+                <p:cond evt="onNext" delay="0">
+                  <p:tgtEl>
+                    <p:sldTgt/>
+                  </p:tgtEl>
+                </p:cond>
+              </p:nextCondLst>
+            </p:seq>
+          </p:childTnLst>
+        </p:cTn>
+      </p:par>
+    </p:tnLst>
+  </p:timing>
 </p:sld>
 </file>
 
@@ -20057,7 +20734,7 @@
         <p:spPr>
           <a:xfrm>
             <a:off x="76200" y="875882"/>
-            <a:ext cx="8953500" cy="2709862"/>
+            <a:ext cx="8953500" cy="4172368"/>
           </a:xfrm>
           <a:prstGeom prst="rect">
             <a:avLst/>
@@ -20146,6 +20823,232 @@
   <p:transition spd="slow">
     <p:push dir="u"/>
   </p:transition>
+  <p:timing>
+    <p:tnLst>
+      <p:par>
+        <p:cTn id="1" dur="indefinite" restart="never" nodeType="tmRoot">
+          <p:childTnLst>
+            <p:seq concurrent="1" nextAc="seek">
+              <p:cTn id="2" dur="indefinite" nodeType="mainSeq">
+                <p:childTnLst>
+                  <p:par>
+                    <p:cTn id="3" fill="hold">
+                      <p:stCondLst>
+                        <p:cond delay="indefinite"/>
+                      </p:stCondLst>
+                      <p:childTnLst>
+                        <p:par>
+                          <p:cTn id="4" fill="hold">
+                            <p:stCondLst>
+                              <p:cond delay="0"/>
+                            </p:stCondLst>
+                            <p:childTnLst>
+                              <p:par>
+                                <p:cTn id="5" presetID="1" presetClass="entr" presetSubtype="0" fill="hold" nodeType="clickEffect">
+                                  <p:stCondLst>
+                                    <p:cond delay="0"/>
+                                  </p:stCondLst>
+                                  <p:childTnLst>
+                                    <p:set>
+                                      <p:cBhvr>
+                                        <p:cTn id="6" dur="1" fill="hold">
+                                          <p:stCondLst>
+                                            <p:cond delay="0"/>
+                                          </p:stCondLst>
+                                        </p:cTn>
+                                        <p:tgtEl>
+                                          <p:spTgt spid="149">
+                                            <p:txEl>
+                                              <p:pRg st="0" end="0"/>
+                                            </p:txEl>
+                                          </p:spTgt>
+                                        </p:tgtEl>
+                                        <p:attrNameLst>
+                                          <p:attrName>style.visibility</p:attrName>
+                                        </p:attrNameLst>
+                                      </p:cBhvr>
+                                      <p:to>
+                                        <p:strVal val="visible"/>
+                                      </p:to>
+                                    </p:set>
+                                  </p:childTnLst>
+                                </p:cTn>
+                              </p:par>
+                            </p:childTnLst>
+                          </p:cTn>
+                        </p:par>
+                      </p:childTnLst>
+                    </p:cTn>
+                  </p:par>
+                  <p:par>
+                    <p:cTn id="7" fill="hold">
+                      <p:stCondLst>
+                        <p:cond delay="indefinite"/>
+                      </p:stCondLst>
+                      <p:childTnLst>
+                        <p:par>
+                          <p:cTn id="8" fill="hold">
+                            <p:stCondLst>
+                              <p:cond delay="0"/>
+                            </p:stCondLst>
+                            <p:childTnLst>
+                              <p:par>
+                                <p:cTn id="9" presetID="1" presetClass="entr" presetSubtype="0" fill="hold" nodeType="clickEffect">
+                                  <p:stCondLst>
+                                    <p:cond delay="0"/>
+                                  </p:stCondLst>
+                                  <p:childTnLst>
+                                    <p:set>
+                                      <p:cBhvr>
+                                        <p:cTn id="10" dur="1" fill="hold">
+                                          <p:stCondLst>
+                                            <p:cond delay="0"/>
+                                          </p:stCondLst>
+                                        </p:cTn>
+                                        <p:tgtEl>
+                                          <p:spTgt spid="149">
+                                            <p:txEl>
+                                              <p:pRg st="1" end="1"/>
+                                            </p:txEl>
+                                          </p:spTgt>
+                                        </p:tgtEl>
+                                        <p:attrNameLst>
+                                          <p:attrName>style.visibility</p:attrName>
+                                        </p:attrNameLst>
+                                      </p:cBhvr>
+                                      <p:to>
+                                        <p:strVal val="visible"/>
+                                      </p:to>
+                                    </p:set>
+                                  </p:childTnLst>
+                                </p:cTn>
+                              </p:par>
+                            </p:childTnLst>
+                          </p:cTn>
+                        </p:par>
+                      </p:childTnLst>
+                    </p:cTn>
+                  </p:par>
+                  <p:par>
+                    <p:cTn id="11" fill="hold">
+                      <p:stCondLst>
+                        <p:cond delay="indefinite"/>
+                      </p:stCondLst>
+                      <p:childTnLst>
+                        <p:par>
+                          <p:cTn id="12" fill="hold">
+                            <p:stCondLst>
+                              <p:cond delay="0"/>
+                            </p:stCondLst>
+                            <p:childTnLst>
+                              <p:par>
+                                <p:cTn id="13" presetID="1" presetClass="entr" presetSubtype="0" fill="hold" nodeType="clickEffect">
+                                  <p:stCondLst>
+                                    <p:cond delay="0"/>
+                                  </p:stCondLst>
+                                  <p:childTnLst>
+                                    <p:set>
+                                      <p:cBhvr>
+                                        <p:cTn id="14" dur="1" fill="hold">
+                                          <p:stCondLst>
+                                            <p:cond delay="0"/>
+                                          </p:stCondLst>
+                                        </p:cTn>
+                                        <p:tgtEl>
+                                          <p:spTgt spid="149">
+                                            <p:txEl>
+                                              <p:pRg st="2" end="2"/>
+                                            </p:txEl>
+                                          </p:spTgt>
+                                        </p:tgtEl>
+                                        <p:attrNameLst>
+                                          <p:attrName>style.visibility</p:attrName>
+                                        </p:attrNameLst>
+                                      </p:cBhvr>
+                                      <p:to>
+                                        <p:strVal val="visible"/>
+                                      </p:to>
+                                    </p:set>
+                                  </p:childTnLst>
+                                </p:cTn>
+                              </p:par>
+                            </p:childTnLst>
+                          </p:cTn>
+                        </p:par>
+                      </p:childTnLst>
+                    </p:cTn>
+                  </p:par>
+                  <p:par>
+                    <p:cTn id="15" fill="hold">
+                      <p:stCondLst>
+                        <p:cond delay="indefinite"/>
+                      </p:stCondLst>
+                      <p:childTnLst>
+                        <p:par>
+                          <p:cTn id="16" fill="hold">
+                            <p:stCondLst>
+                              <p:cond delay="0"/>
+                            </p:stCondLst>
+                            <p:childTnLst>
+                              <p:par>
+                                <p:cTn id="17" presetID="1" presetClass="entr" presetSubtype="0" fill="hold" nodeType="clickEffect">
+                                  <p:stCondLst>
+                                    <p:cond delay="0"/>
+                                  </p:stCondLst>
+                                  <p:childTnLst>
+                                    <p:set>
+                                      <p:cBhvr>
+                                        <p:cTn id="18" dur="1" fill="hold">
+                                          <p:stCondLst>
+                                            <p:cond delay="0"/>
+                                          </p:stCondLst>
+                                        </p:cTn>
+                                        <p:tgtEl>
+                                          <p:spTgt spid="149">
+                                            <p:txEl>
+                                              <p:pRg st="3" end="3"/>
+                                            </p:txEl>
+                                          </p:spTgt>
+                                        </p:tgtEl>
+                                        <p:attrNameLst>
+                                          <p:attrName>style.visibility</p:attrName>
+                                        </p:attrNameLst>
+                                      </p:cBhvr>
+                                      <p:to>
+                                        <p:strVal val="visible"/>
+                                      </p:to>
+                                    </p:set>
+                                  </p:childTnLst>
+                                </p:cTn>
+                              </p:par>
+                            </p:childTnLst>
+                          </p:cTn>
+                        </p:par>
+                      </p:childTnLst>
+                    </p:cTn>
+                  </p:par>
+                </p:childTnLst>
+              </p:cTn>
+              <p:prevCondLst>
+                <p:cond evt="onPrev" delay="0">
+                  <p:tgtEl>
+                    <p:sldTgt/>
+                  </p:tgtEl>
+                </p:cond>
+              </p:prevCondLst>
+              <p:nextCondLst>
+                <p:cond evt="onNext" delay="0">
+                  <p:tgtEl>
+                    <p:sldTgt/>
+                  </p:tgtEl>
+                </p:cond>
+              </p:nextCondLst>
+            </p:seq>
+          </p:childTnLst>
+        </p:cTn>
+      </p:par>
+    </p:tnLst>
+  </p:timing>
 </p:sld>
 </file>
 
@@ -20217,6 +21120,340 @@
         <p:spPr>
           <a:xfrm>
             <a:off x="76200" y="971550"/>
+            <a:ext cx="8953500" cy="800100"/>
+          </a:xfrm>
+          <a:prstGeom prst="rect">
+            <a:avLst/>
+          </a:prstGeom>
+        </p:spPr>
+        <p:txBody>
+          <a:bodyPr spcFirstLastPara="1" wrap="square" lIns="91425" tIns="91425" rIns="91425" bIns="91425" anchor="t" anchorCtr="0">
+            <a:noAutofit/>
+          </a:bodyPr>
+          <a:lstStyle/>
+          <a:p>
+            <a:pPr marL="0" lvl="0" indent="0" algn="l" rtl="0">
+              <a:spcBef>
+                <a:spcPts val="0"/>
+              </a:spcBef>
+              <a:spcAft>
+                <a:spcPts val="0"/>
+              </a:spcAft>
+              <a:buNone/>
+            </a:pPr>
+            <a:r>
+              <a:rPr lang="en" sz="2400" b="1" dirty="0"/>
+              <a:t>¿Cuál sería el escenario promedio y el peor escenario? </a:t>
+            </a:r>
+            <a:r>
+              <a:rPr lang="en" sz="2400" b="1" u="sng" dirty="0">
+                <a:solidFill>
+                  <a:schemeClr val="hlink"/>
+                </a:solidFill>
+                <a:hlinkClick r:id="rId4"/>
+              </a:rPr>
+              <a:t>Link</a:t>
+            </a:r>
+            <a:endParaRPr sz="2400" b="1" dirty="0"/>
+          </a:p>
+        </p:txBody>
+      </p:sp>
+      <p:pic>
+        <p:nvPicPr>
+          <p:cNvPr id="4" name="Online Media 3" title="Binary Search O = Log N">
+            <a:hlinkClick r:id="" action="ppaction://media"/>
+            <a:extLst>
+              <a:ext uri="{FF2B5EF4-FFF2-40B4-BE49-F238E27FC236}">
+                <a16:creationId xmlns:a16="http://schemas.microsoft.com/office/drawing/2014/main" id="{DF574E89-C5E5-4AB6-B3B6-95DDEAA94ADF}"/>
+              </a:ext>
+            </a:extLst>
+          </p:cNvPr>
+          <p:cNvPicPr>
+            <a:picLocks noRot="1" noChangeAspect="1"/>
+          </p:cNvPicPr>
+          <p:nvPr>
+            <a:videoFile r:link="rId1"/>
+          </p:nvPr>
+        </p:nvPicPr>
+        <p:blipFill>
+          <a:blip r:embed="rId5"/>
+          <a:stretch>
+            <a:fillRect/>
+          </a:stretch>
+        </p:blipFill>
+        <p:spPr>
+          <a:xfrm>
+            <a:off x="1485900" y="1543050"/>
+            <a:ext cx="6134100" cy="3465767"/>
+          </a:xfrm>
+          <a:prstGeom prst="rect">
+            <a:avLst/>
+          </a:prstGeom>
+        </p:spPr>
+      </p:pic>
+    </p:spTree>
+  </p:cSld>
+  <p:clrMapOvr>
+    <a:masterClrMapping/>
+  </p:clrMapOvr>
+  <p:transition spd="slow">
+    <p:push dir="u"/>
+  </p:transition>
+  <p:timing>
+    <p:tnLst>
+      <p:par>
+        <p:cTn id="1" dur="indefinite" restart="never" nodeType="tmRoot">
+          <p:childTnLst>
+            <p:seq concurrent="1" nextAc="seek">
+              <p:cTn id="2" dur="indefinite" nodeType="mainSeq">
+                <p:childTnLst>
+                  <p:par>
+                    <p:cTn id="3" fill="hold">
+                      <p:stCondLst>
+                        <p:cond delay="indefinite"/>
+                      </p:stCondLst>
+                      <p:childTnLst>
+                        <p:par>
+                          <p:cTn id="4" fill="hold">
+                            <p:stCondLst>
+                              <p:cond delay="0"/>
+                            </p:stCondLst>
+                            <p:childTnLst>
+                              <p:par>
+                                <p:cTn id="5" presetID="1" presetClass="entr" presetSubtype="0" fill="hold" nodeType="clickEffect">
+                                  <p:stCondLst>
+                                    <p:cond delay="0"/>
+                                  </p:stCondLst>
+                                  <p:childTnLst>
+                                    <p:set>
+                                      <p:cBhvr>
+                                        <p:cTn id="6" dur="1" fill="hold">
+                                          <p:stCondLst>
+                                            <p:cond delay="0"/>
+                                          </p:stCondLst>
+                                        </p:cTn>
+                                        <p:tgtEl>
+                                          <p:spTgt spid="155">
+                                            <p:txEl>
+                                              <p:pRg st="0" end="0"/>
+                                            </p:txEl>
+                                          </p:spTgt>
+                                        </p:tgtEl>
+                                        <p:attrNameLst>
+                                          <p:attrName>style.visibility</p:attrName>
+                                        </p:attrNameLst>
+                                      </p:cBhvr>
+                                      <p:to>
+                                        <p:strVal val="visible"/>
+                                      </p:to>
+                                    </p:set>
+                                  </p:childTnLst>
+                                </p:cTn>
+                              </p:par>
+                            </p:childTnLst>
+                          </p:cTn>
+                        </p:par>
+                      </p:childTnLst>
+                    </p:cTn>
+                  </p:par>
+                  <p:par>
+                    <p:cTn id="7" fill="hold">
+                      <p:stCondLst>
+                        <p:cond delay="indefinite"/>
+                      </p:stCondLst>
+                      <p:childTnLst>
+                        <p:par>
+                          <p:cTn id="8" fill="hold">
+                            <p:stCondLst>
+                              <p:cond delay="0"/>
+                            </p:stCondLst>
+                            <p:childTnLst>
+                              <p:par>
+                                <p:cTn id="9" presetID="1" presetClass="mediacall" presetSubtype="0" fill="hold" nodeType="clickEffect">
+                                  <p:stCondLst>
+                                    <p:cond delay="0"/>
+                                  </p:stCondLst>
+                                  <p:childTnLst>
+                                    <p:cmd type="call" cmd="playFrom(0.0)">
+                                      <p:cBhvr>
+                                        <p:cTn id="10" dur="1" fill="hold"/>
+                                        <p:tgtEl>
+                                          <p:spTgt spid="4"/>
+                                        </p:tgtEl>
+                                      </p:cBhvr>
+                                    </p:cmd>
+                                  </p:childTnLst>
+                                </p:cTn>
+                              </p:par>
+                            </p:childTnLst>
+                          </p:cTn>
+                        </p:par>
+                      </p:childTnLst>
+                    </p:cTn>
+                  </p:par>
+                </p:childTnLst>
+              </p:cTn>
+              <p:prevCondLst>
+                <p:cond evt="onPrev" delay="0">
+                  <p:tgtEl>
+                    <p:sldTgt/>
+                  </p:tgtEl>
+                </p:cond>
+              </p:prevCondLst>
+              <p:nextCondLst>
+                <p:cond evt="onNext" delay="0">
+                  <p:tgtEl>
+                    <p:sldTgt/>
+                  </p:tgtEl>
+                </p:cond>
+              </p:nextCondLst>
+            </p:seq>
+            <p:video>
+              <p:cMediaNode vol="80000">
+                <p:cTn id="11" fill="hold" display="0">
+                  <p:stCondLst>
+                    <p:cond delay="indefinite"/>
+                  </p:stCondLst>
+                </p:cTn>
+                <p:tgtEl>
+                  <p:spTgt spid="4"/>
+                </p:tgtEl>
+              </p:cMediaNode>
+            </p:video>
+            <p:seq concurrent="1" nextAc="seek">
+              <p:cTn id="12" restart="whenNotActive" fill="hold" evtFilter="cancelBubble" nodeType="interactiveSeq">
+                <p:stCondLst>
+                  <p:cond evt="onClick" delay="0">
+                    <p:tgtEl>
+                      <p:spTgt spid="4"/>
+                    </p:tgtEl>
+                  </p:cond>
+                </p:stCondLst>
+                <p:endSync evt="end" delay="0">
+                  <p:rtn val="all"/>
+                </p:endSync>
+                <p:childTnLst>
+                  <p:par>
+                    <p:cTn id="13" fill="hold">
+                      <p:stCondLst>
+                        <p:cond delay="0"/>
+                      </p:stCondLst>
+                      <p:childTnLst>
+                        <p:par>
+                          <p:cTn id="14" fill="hold">
+                            <p:stCondLst>
+                              <p:cond delay="0"/>
+                            </p:stCondLst>
+                            <p:childTnLst>
+                              <p:par>
+                                <p:cTn id="15" presetID="2" presetClass="mediacall" presetSubtype="0" fill="hold" nodeType="clickEffect">
+                                  <p:stCondLst>
+                                    <p:cond delay="0"/>
+                                  </p:stCondLst>
+                                  <p:childTnLst>
+                                    <p:cmd type="call" cmd="togglePause">
+                                      <p:cBhvr>
+                                        <p:cTn id="16" dur="1" fill="hold"/>
+                                        <p:tgtEl>
+                                          <p:spTgt spid="4"/>
+                                        </p:tgtEl>
+                                      </p:cBhvr>
+                                    </p:cmd>
+                                  </p:childTnLst>
+                                </p:cTn>
+                              </p:par>
+                            </p:childTnLst>
+                          </p:cTn>
+                        </p:par>
+                      </p:childTnLst>
+                    </p:cTn>
+                  </p:par>
+                </p:childTnLst>
+              </p:cTn>
+              <p:nextCondLst>
+                <p:cond evt="onClick" delay="0">
+                  <p:tgtEl>
+                    <p:spTgt spid="4"/>
+                  </p:tgtEl>
+                </p:cond>
+              </p:nextCondLst>
+            </p:seq>
+          </p:childTnLst>
+        </p:cTn>
+      </p:par>
+    </p:tnLst>
+  </p:timing>
+</p:sld>
+</file>
+
+<file path=ppt/slides/slide26.xml><?xml version="1.0" encoding="utf-8"?>
+<p:sld xmlns:a="http://schemas.openxmlformats.org/drawingml/2006/main" xmlns:r="http://schemas.openxmlformats.org/officeDocument/2006/relationships" xmlns:p="http://schemas.openxmlformats.org/presentationml/2006/main">
+  <p:cSld>
+    <p:spTree>
+      <p:nvGrpSpPr>
+        <p:cNvPr id="1" name="Shape 153"/>
+        <p:cNvGrpSpPr/>
+        <p:nvPr/>
+      </p:nvGrpSpPr>
+      <p:grpSpPr>
+        <a:xfrm>
+          <a:off x="0" y="0"/>
+          <a:ext cx="0" cy="0"/>
+          <a:chOff x="0" y="0"/>
+          <a:chExt cx="0" cy="0"/>
+        </a:xfrm>
+      </p:grpSpPr>
+      <p:sp>
+        <p:nvSpPr>
+          <p:cNvPr id="154" name="Google Shape;154;p26"/>
+          <p:cNvSpPr txBox="1">
+            <a:spLocks noGrp="1"/>
+          </p:cNvSpPr>
+          <p:nvPr>
+            <p:ph type="title"/>
+          </p:nvPr>
+        </p:nvSpPr>
+        <p:spPr>
+          <a:prstGeom prst="rect">
+            <a:avLst/>
+          </a:prstGeom>
+        </p:spPr>
+        <p:txBody>
+          <a:bodyPr spcFirstLastPara="1" wrap="square" lIns="91425" tIns="91425" rIns="91425" bIns="91425" anchor="b" anchorCtr="0">
+            <a:noAutofit/>
+          </a:bodyPr>
+          <a:lstStyle/>
+          <a:p>
+            <a:pPr marL="0" lvl="0" indent="0" algn="l" rtl="0">
+              <a:spcBef>
+                <a:spcPts val="0"/>
+              </a:spcBef>
+              <a:spcAft>
+                <a:spcPts val="0"/>
+              </a:spcAft>
+              <a:buNone/>
+            </a:pPr>
+            <a:r>
+              <a:rPr lang="en"/>
+              <a:t>Ejemplo: Búsqueda binaria</a:t>
+            </a:r>
+            <a:endParaRPr/>
+          </a:p>
+        </p:txBody>
+      </p:sp>
+      <p:sp>
+        <p:nvSpPr>
+          <p:cNvPr id="155" name="Google Shape;155;p26"/>
+          <p:cNvSpPr txBox="1">
+            <a:spLocks noGrp="1"/>
+          </p:cNvSpPr>
+          <p:nvPr>
+            <p:ph type="body" idx="4294967295"/>
+          </p:nvPr>
+        </p:nvSpPr>
+        <p:spPr>
+          <a:xfrm>
+            <a:off x="76200" y="971550"/>
             <a:ext cx="8953500" cy="3441700"/>
           </a:xfrm>
           <a:prstGeom prst="rect">
@@ -20319,109 +21556,12 @@
           </a:p>
         </p:txBody>
       </p:sp>
-      <mc:AlternateContent xmlns:mc="http://schemas.openxmlformats.org/markup-compatibility/2006" xmlns:p14="http://schemas.microsoft.com/office/powerpoint/2010/main">
-        <mc:Choice Requires="p14">
-          <p:contentPart p14:bwMode="auto" r:id="rId4">
-            <p14:nvContentPartPr>
-              <p14:cNvPr id="2" name="Ink 1">
-                <a:extLst>
-                  <a:ext uri="{FF2B5EF4-FFF2-40B4-BE49-F238E27FC236}">
-                    <a16:creationId xmlns:a16="http://schemas.microsoft.com/office/drawing/2014/main" id="{8B6F9842-F49B-45FD-B9ED-E9F2E2C6E263}"/>
-                  </a:ext>
-                </a:extLst>
-              </p14:cNvPr>
-              <p14:cNvContentPartPr/>
-              <p14:nvPr/>
-            </p14:nvContentPartPr>
-            <p14:xfrm>
-              <a:off x="3911400" y="2439720"/>
-              <a:ext cx="1436040" cy="378720"/>
-            </p14:xfrm>
-          </p:contentPart>
-        </mc:Choice>
-        <mc:Fallback xmlns="">
-          <p:pic>
-            <p:nvPicPr>
-              <p:cNvPr id="2" name="Ink 1">
-                <a:extLst>
-                  <a:ext uri="{FF2B5EF4-FFF2-40B4-BE49-F238E27FC236}">
-                    <a16:creationId xmlns:a16="http://schemas.microsoft.com/office/drawing/2014/main" id="{8B6F9842-F49B-45FD-B9ED-E9F2E2C6E263}"/>
-                  </a:ext>
-                </a:extLst>
-              </p:cNvPr>
-              <p:cNvPicPr/>
-              <p:nvPr/>
-            </p:nvPicPr>
-            <p:blipFill>
-              <a:blip r:embed="rId5"/>
-              <a:stretch>
-                <a:fillRect/>
-              </a:stretch>
-            </p:blipFill>
-            <p:spPr>
-              <a:xfrm>
-                <a:off x="3895560" y="2376360"/>
-                <a:ext cx="1467360" cy="505440"/>
-              </a:xfrm>
-              <a:prstGeom prst="rect">
-                <a:avLst/>
-              </a:prstGeom>
-            </p:spPr>
-          </p:pic>
-        </mc:Fallback>
-      </mc:AlternateContent>
-      <mc:AlternateContent xmlns:mc="http://schemas.openxmlformats.org/markup-compatibility/2006" xmlns:p14="http://schemas.microsoft.com/office/powerpoint/2010/main">
-        <mc:Choice Requires="p14">
-          <p:contentPart p14:bwMode="auto" r:id="rId6">
-            <p14:nvContentPartPr>
-              <p14:cNvPr id="3" name="Ink 2">
-                <a:extLst>
-                  <a:ext uri="{FF2B5EF4-FFF2-40B4-BE49-F238E27FC236}">
-                    <a16:creationId xmlns:a16="http://schemas.microsoft.com/office/drawing/2014/main" id="{47124C1D-1AD8-4061-B3CA-63048508BD91}"/>
-                  </a:ext>
-                </a:extLst>
-              </p14:cNvPr>
-              <p14:cNvContentPartPr/>
-              <p14:nvPr/>
-            </p14:nvContentPartPr>
-            <p14:xfrm>
-              <a:off x="2910960" y="3725640"/>
-              <a:ext cx="2147040" cy="464400"/>
-            </p14:xfrm>
-          </p:contentPart>
-        </mc:Choice>
-        <mc:Fallback xmlns="">
-          <p:pic>
-            <p:nvPicPr>
-              <p:cNvPr id="3" name="Ink 2">
-                <a:extLst>
-                  <a:ext uri="{FF2B5EF4-FFF2-40B4-BE49-F238E27FC236}">
-                    <a16:creationId xmlns:a16="http://schemas.microsoft.com/office/drawing/2014/main" id="{47124C1D-1AD8-4061-B3CA-63048508BD91}"/>
-                  </a:ext>
-                </a:extLst>
-              </p:cNvPr>
-              <p:cNvPicPr/>
-              <p:nvPr/>
-            </p:nvPicPr>
-            <p:blipFill>
-              <a:blip r:embed="rId7"/>
-              <a:stretch>
-                <a:fillRect/>
-              </a:stretch>
-            </p:blipFill>
-            <p:spPr>
-              <a:xfrm>
-                <a:off x="2895120" y="3662280"/>
-                <a:ext cx="2178360" cy="591120"/>
-              </a:xfrm>
-              <a:prstGeom prst="rect">
-                <a:avLst/>
-              </a:prstGeom>
-            </p:spPr>
-          </p:pic>
-        </mc:Fallback>
-      </mc:AlternateContent>
     </p:spTree>
+    <p:extLst>
+      <p:ext uri="{BB962C8B-B14F-4D97-AF65-F5344CB8AC3E}">
+        <p14:creationId xmlns:p14="http://schemas.microsoft.com/office/powerpoint/2010/main" val="482547980"/>
+      </p:ext>
+    </p:extLst>
   </p:cSld>
   <p:clrMapOvr>
     <a:masterClrMapping/>
@@ -20429,10 +21569,285 @@
   <p:transition spd="slow">
     <p:push dir="u"/>
   </p:transition>
+  <p:timing>
+    <p:tnLst>
+      <p:par>
+        <p:cTn id="1" dur="indefinite" restart="never" nodeType="tmRoot">
+          <p:childTnLst>
+            <p:seq concurrent="1" nextAc="seek">
+              <p:cTn id="2" dur="indefinite" nodeType="mainSeq">
+                <p:childTnLst>
+                  <p:par>
+                    <p:cTn id="3" fill="hold">
+                      <p:stCondLst>
+                        <p:cond delay="indefinite"/>
+                      </p:stCondLst>
+                      <p:childTnLst>
+                        <p:par>
+                          <p:cTn id="4" fill="hold">
+                            <p:stCondLst>
+                              <p:cond delay="0"/>
+                            </p:stCondLst>
+                            <p:childTnLst>
+                              <p:par>
+                                <p:cTn id="5" presetID="1" presetClass="entr" presetSubtype="0" fill="hold" nodeType="clickEffect">
+                                  <p:stCondLst>
+                                    <p:cond delay="0"/>
+                                  </p:stCondLst>
+                                  <p:childTnLst>
+                                    <p:set>
+                                      <p:cBhvr>
+                                        <p:cTn id="6" dur="1" fill="hold">
+                                          <p:stCondLst>
+                                            <p:cond delay="0"/>
+                                          </p:stCondLst>
+                                        </p:cTn>
+                                        <p:tgtEl>
+                                          <p:spTgt spid="155">
+                                            <p:txEl>
+                                              <p:pRg st="0" end="0"/>
+                                            </p:txEl>
+                                          </p:spTgt>
+                                        </p:tgtEl>
+                                        <p:attrNameLst>
+                                          <p:attrName>style.visibility</p:attrName>
+                                        </p:attrNameLst>
+                                      </p:cBhvr>
+                                      <p:to>
+                                        <p:strVal val="visible"/>
+                                      </p:to>
+                                    </p:set>
+                                  </p:childTnLst>
+                                </p:cTn>
+                              </p:par>
+                            </p:childTnLst>
+                          </p:cTn>
+                        </p:par>
+                      </p:childTnLst>
+                    </p:cTn>
+                  </p:par>
+                  <p:par>
+                    <p:cTn id="7" fill="hold">
+                      <p:stCondLst>
+                        <p:cond delay="indefinite"/>
+                      </p:stCondLst>
+                      <p:childTnLst>
+                        <p:par>
+                          <p:cTn id="8" fill="hold">
+                            <p:stCondLst>
+                              <p:cond delay="0"/>
+                            </p:stCondLst>
+                            <p:childTnLst>
+                              <p:par>
+                                <p:cTn id="9" presetID="1" presetClass="entr" presetSubtype="0" fill="hold" nodeType="clickEffect">
+                                  <p:stCondLst>
+                                    <p:cond delay="0"/>
+                                  </p:stCondLst>
+                                  <p:childTnLst>
+                                    <p:set>
+                                      <p:cBhvr>
+                                        <p:cTn id="10" dur="1" fill="hold">
+                                          <p:stCondLst>
+                                            <p:cond delay="0"/>
+                                          </p:stCondLst>
+                                        </p:cTn>
+                                        <p:tgtEl>
+                                          <p:spTgt spid="155">
+                                            <p:txEl>
+                                              <p:pRg st="1" end="1"/>
+                                            </p:txEl>
+                                          </p:spTgt>
+                                        </p:tgtEl>
+                                        <p:attrNameLst>
+                                          <p:attrName>style.visibility</p:attrName>
+                                        </p:attrNameLst>
+                                      </p:cBhvr>
+                                      <p:to>
+                                        <p:strVal val="visible"/>
+                                      </p:to>
+                                    </p:set>
+                                  </p:childTnLst>
+                                </p:cTn>
+                              </p:par>
+                            </p:childTnLst>
+                          </p:cTn>
+                        </p:par>
+                      </p:childTnLst>
+                    </p:cTn>
+                  </p:par>
+                  <p:par>
+                    <p:cTn id="11" fill="hold">
+                      <p:stCondLst>
+                        <p:cond delay="indefinite"/>
+                      </p:stCondLst>
+                      <p:childTnLst>
+                        <p:par>
+                          <p:cTn id="12" fill="hold">
+                            <p:stCondLst>
+                              <p:cond delay="0"/>
+                            </p:stCondLst>
+                            <p:childTnLst>
+                              <p:par>
+                                <p:cTn id="13" presetID="1" presetClass="entr" presetSubtype="0" fill="hold" nodeType="clickEffect">
+                                  <p:stCondLst>
+                                    <p:cond delay="0"/>
+                                  </p:stCondLst>
+                                  <p:childTnLst>
+                                    <p:set>
+                                      <p:cBhvr>
+                                        <p:cTn id="14" dur="1" fill="hold">
+                                          <p:stCondLst>
+                                            <p:cond delay="0"/>
+                                          </p:stCondLst>
+                                        </p:cTn>
+                                        <p:tgtEl>
+                                          <p:spTgt spid="155">
+                                            <p:txEl>
+                                              <p:pRg st="2" end="2"/>
+                                            </p:txEl>
+                                          </p:spTgt>
+                                        </p:tgtEl>
+                                        <p:attrNameLst>
+                                          <p:attrName>style.visibility</p:attrName>
+                                        </p:attrNameLst>
+                                      </p:cBhvr>
+                                      <p:to>
+                                        <p:strVal val="visible"/>
+                                      </p:to>
+                                    </p:set>
+                                  </p:childTnLst>
+                                </p:cTn>
+                              </p:par>
+                            </p:childTnLst>
+                          </p:cTn>
+                        </p:par>
+                      </p:childTnLst>
+                    </p:cTn>
+                  </p:par>
+                  <p:par>
+                    <p:cTn id="15" fill="hold">
+                      <p:stCondLst>
+                        <p:cond delay="indefinite"/>
+                      </p:stCondLst>
+                      <p:childTnLst>
+                        <p:par>
+                          <p:cTn id="16" fill="hold">
+                            <p:stCondLst>
+                              <p:cond delay="0"/>
+                            </p:stCondLst>
+                            <p:childTnLst>
+                              <p:par>
+                                <p:cTn id="17" presetID="1" presetClass="entr" presetSubtype="0" fill="hold" nodeType="clickEffect">
+                                  <p:stCondLst>
+                                    <p:cond delay="0"/>
+                                  </p:stCondLst>
+                                  <p:childTnLst>
+                                    <p:set>
+                                      <p:cBhvr>
+                                        <p:cTn id="18" dur="1" fill="hold">
+                                          <p:stCondLst>
+                                            <p:cond delay="0"/>
+                                          </p:stCondLst>
+                                        </p:cTn>
+                                        <p:tgtEl>
+                                          <p:spTgt spid="155">
+                                            <p:txEl>
+                                              <p:pRg st="3" end="3"/>
+                                            </p:txEl>
+                                          </p:spTgt>
+                                        </p:tgtEl>
+                                        <p:attrNameLst>
+                                          <p:attrName>style.visibility</p:attrName>
+                                        </p:attrNameLst>
+                                      </p:cBhvr>
+                                      <p:to>
+                                        <p:strVal val="visible"/>
+                                      </p:to>
+                                    </p:set>
+                                  </p:childTnLst>
+                                </p:cTn>
+                              </p:par>
+                            </p:childTnLst>
+                          </p:cTn>
+                        </p:par>
+                      </p:childTnLst>
+                    </p:cTn>
+                  </p:par>
+                  <p:par>
+                    <p:cTn id="19" fill="hold">
+                      <p:stCondLst>
+                        <p:cond delay="indefinite"/>
+                      </p:stCondLst>
+                      <p:childTnLst>
+                        <p:par>
+                          <p:cTn id="20" fill="hold">
+                            <p:stCondLst>
+                              <p:cond delay="0"/>
+                            </p:stCondLst>
+                            <p:childTnLst>
+                              <p:par>
+                                <p:cTn id="21" presetID="1" presetClass="entr" presetSubtype="0" fill="hold" nodeType="clickEffect">
+                                  <p:stCondLst>
+                                    <p:cond delay="0"/>
+                                  </p:stCondLst>
+                                  <p:childTnLst>
+                                    <p:set>
+                                      <p:cBhvr>
+                                        <p:cTn id="22" dur="1" fill="hold">
+                                          <p:stCondLst>
+                                            <p:cond delay="0"/>
+                                          </p:stCondLst>
+                                        </p:cTn>
+                                        <p:tgtEl>
+                                          <p:spTgt spid="155">
+                                            <p:txEl>
+                                              <p:pRg st="4" end="4"/>
+                                            </p:txEl>
+                                          </p:spTgt>
+                                        </p:tgtEl>
+                                        <p:attrNameLst>
+                                          <p:attrName>style.visibility</p:attrName>
+                                        </p:attrNameLst>
+                                      </p:cBhvr>
+                                      <p:to>
+                                        <p:strVal val="visible"/>
+                                      </p:to>
+                                    </p:set>
+                                  </p:childTnLst>
+                                </p:cTn>
+                              </p:par>
+                            </p:childTnLst>
+                          </p:cTn>
+                        </p:par>
+                      </p:childTnLst>
+                    </p:cTn>
+                  </p:par>
+                </p:childTnLst>
+              </p:cTn>
+              <p:prevCondLst>
+                <p:cond evt="onPrev" delay="0">
+                  <p:tgtEl>
+                    <p:sldTgt/>
+                  </p:tgtEl>
+                </p:cond>
+              </p:prevCondLst>
+              <p:nextCondLst>
+                <p:cond evt="onNext" delay="0">
+                  <p:tgtEl>
+                    <p:sldTgt/>
+                  </p:tgtEl>
+                </p:cond>
+              </p:nextCondLst>
+            </p:seq>
+          </p:childTnLst>
+        </p:cTn>
+      </p:par>
+    </p:tnLst>
+  </p:timing>
 </p:sld>
 </file>
 
-<file path=ppt/slides/slide26.xml><?xml version="1.0" encoding="utf-8"?>
+<file path=ppt/slides/slide27.xml><?xml version="1.0" encoding="utf-8"?>
 <p:sld xmlns:a="http://schemas.openxmlformats.org/drawingml/2006/main" xmlns:r="http://schemas.openxmlformats.org/officeDocument/2006/relationships" xmlns:p="http://schemas.openxmlformats.org/presentationml/2006/main">
   <p:cSld>
     <p:spTree>
@@ -20664,7 +22079,7 @@
 </p:sld>
 </file>
 
-<file path=ppt/slides/slide27.xml><?xml version="1.0" encoding="utf-8"?>
+<file path=ppt/slides/slide28.xml><?xml version="1.0" encoding="utf-8"?>
 <p:sld xmlns:a="http://schemas.openxmlformats.org/drawingml/2006/main" xmlns:r="http://schemas.openxmlformats.org/officeDocument/2006/relationships" xmlns:p="http://schemas.openxmlformats.org/presentationml/2006/main">
   <p:cSld>
     <p:spTree>
@@ -21316,7 +22731,7 @@
 </p:sld>
 </file>
 
-<file path=ppt/slides/slide28.xml><?xml version="1.0" encoding="utf-8"?>
+<file path=ppt/slides/slide29.xml><?xml version="1.0" encoding="utf-8"?>
 <p:sld xmlns:a="http://schemas.openxmlformats.org/drawingml/2006/main" xmlns:r="http://schemas.openxmlformats.org/officeDocument/2006/relationships" xmlns:p="http://schemas.openxmlformats.org/presentationml/2006/main">
   <p:cSld>
     <p:spTree>
@@ -21505,100 +22920,281 @@
   <p:transition spd="slow">
     <p:push dir="u"/>
   </p:transition>
-</p:sld>
-</file>
-
-<file path=ppt/slides/slide29.xml><?xml version="1.0" encoding="utf-8"?>
-<p:sld xmlns:a="http://schemas.openxmlformats.org/drawingml/2006/main" xmlns:r="http://schemas.openxmlformats.org/officeDocument/2006/relationships" xmlns:p="http://schemas.openxmlformats.org/presentationml/2006/main">
-  <p:cSld>
-    <p:spTree>
-      <p:nvGrpSpPr>
-        <p:cNvPr id="1" name="Shape 183"/>
-        <p:cNvGrpSpPr/>
-        <p:nvPr/>
-      </p:nvGrpSpPr>
-      <p:grpSpPr>
-        <a:xfrm>
-          <a:off x="0" y="0"/>
-          <a:ext cx="0" cy="0"/>
-          <a:chOff x="0" y="0"/>
-          <a:chExt cx="0" cy="0"/>
-        </a:xfrm>
-      </p:grpSpPr>
-      <p:sp>
-        <p:nvSpPr>
-          <p:cNvPr id="184" name="Google Shape;184;p30"/>
-          <p:cNvSpPr txBox="1">
-            <a:spLocks noGrp="1"/>
-          </p:cNvSpPr>
-          <p:nvPr>
-            <p:ph type="title"/>
-          </p:nvPr>
-        </p:nvSpPr>
-        <p:spPr>
-          <a:prstGeom prst="rect">
-            <a:avLst/>
-          </a:prstGeom>
-        </p:spPr>
-        <p:txBody>
-          <a:bodyPr spcFirstLastPara="1" wrap="square" lIns="91425" tIns="91425" rIns="91425" bIns="91425" anchor="ctr" anchorCtr="0">
-            <a:noAutofit/>
-          </a:bodyPr>
-          <a:lstStyle/>
-          <a:p>
-            <a:pPr marL="0" lvl="0" indent="0" algn="l" rtl="0">
-              <a:spcBef>
-                <a:spcPts val="0"/>
-              </a:spcBef>
-              <a:spcAft>
-                <a:spcPts val="0"/>
-              </a:spcAft>
-              <a:buNone/>
-            </a:pPr>
-            <a:r>
-              <a:rPr lang="en"/>
-              <a:t>Big-O Notation</a:t>
-            </a:r>
-            <a:endParaRPr/>
-          </a:p>
-        </p:txBody>
-      </p:sp>
-      <p:pic>
-        <p:nvPicPr>
-          <p:cNvPr id="185" name="Google Shape;185;p30"/>
-          <p:cNvPicPr preferRelativeResize="0"/>
-          <p:nvPr/>
-        </p:nvPicPr>
-        <p:blipFill>
-          <a:blip r:embed="rId3">
-            <a:alphaModFix/>
-          </a:blip>
-          <a:stretch>
-            <a:fillRect/>
-          </a:stretch>
-        </p:blipFill>
-        <p:spPr>
-          <a:xfrm>
-            <a:off x="1833440" y="880787"/>
-            <a:ext cx="5477119" cy="4219650"/>
-          </a:xfrm>
-          <a:prstGeom prst="rect">
-            <a:avLst/>
-          </a:prstGeom>
-          <a:noFill/>
-          <a:ln>
-            <a:noFill/>
-          </a:ln>
-        </p:spPr>
-      </p:pic>
-    </p:spTree>
-  </p:cSld>
-  <p:clrMapOvr>
-    <a:masterClrMapping/>
-  </p:clrMapOvr>
-  <p:transition spd="slow">
-    <p:push dir="u"/>
-  </p:transition>
+  <p:timing>
+    <p:tnLst>
+      <p:par>
+        <p:cTn id="1" dur="indefinite" restart="never" nodeType="tmRoot">
+          <p:childTnLst>
+            <p:seq concurrent="1" nextAc="seek">
+              <p:cTn id="2" dur="indefinite" nodeType="mainSeq">
+                <p:childTnLst>
+                  <p:par>
+                    <p:cTn id="3" fill="hold">
+                      <p:stCondLst>
+                        <p:cond delay="indefinite"/>
+                      </p:stCondLst>
+                      <p:childTnLst>
+                        <p:par>
+                          <p:cTn id="4" fill="hold">
+                            <p:stCondLst>
+                              <p:cond delay="0"/>
+                            </p:stCondLst>
+                            <p:childTnLst>
+                              <p:par>
+                                <p:cTn id="5" presetID="1" presetClass="entr" presetSubtype="0" fill="hold" nodeType="clickEffect">
+                                  <p:stCondLst>
+                                    <p:cond delay="0"/>
+                                  </p:stCondLst>
+                                  <p:childTnLst>
+                                    <p:set>
+                                      <p:cBhvr>
+                                        <p:cTn id="6" dur="1" fill="hold">
+                                          <p:stCondLst>
+                                            <p:cond delay="0"/>
+                                          </p:stCondLst>
+                                        </p:cTn>
+                                        <p:tgtEl>
+                                          <p:spTgt spid="178">
+                                            <p:txEl>
+                                              <p:pRg st="0" end="0"/>
+                                            </p:txEl>
+                                          </p:spTgt>
+                                        </p:tgtEl>
+                                        <p:attrNameLst>
+                                          <p:attrName>style.visibility</p:attrName>
+                                        </p:attrNameLst>
+                                      </p:cBhvr>
+                                      <p:to>
+                                        <p:strVal val="visible"/>
+                                      </p:to>
+                                    </p:set>
+                                  </p:childTnLst>
+                                </p:cTn>
+                              </p:par>
+                            </p:childTnLst>
+                          </p:cTn>
+                        </p:par>
+                      </p:childTnLst>
+                    </p:cTn>
+                  </p:par>
+                  <p:par>
+                    <p:cTn id="7" fill="hold">
+                      <p:stCondLst>
+                        <p:cond delay="indefinite"/>
+                      </p:stCondLst>
+                      <p:childTnLst>
+                        <p:par>
+                          <p:cTn id="8" fill="hold">
+                            <p:stCondLst>
+                              <p:cond delay="0"/>
+                            </p:stCondLst>
+                            <p:childTnLst>
+                              <p:par>
+                                <p:cTn id="9" presetID="1" presetClass="entr" presetSubtype="0" fill="hold" nodeType="clickEffect">
+                                  <p:stCondLst>
+                                    <p:cond delay="0"/>
+                                  </p:stCondLst>
+                                  <p:childTnLst>
+                                    <p:set>
+                                      <p:cBhvr>
+                                        <p:cTn id="10" dur="1" fill="hold">
+                                          <p:stCondLst>
+                                            <p:cond delay="0"/>
+                                          </p:stCondLst>
+                                        </p:cTn>
+                                        <p:tgtEl>
+                                          <p:spTgt spid="178">
+                                            <p:txEl>
+                                              <p:pRg st="1" end="1"/>
+                                            </p:txEl>
+                                          </p:spTgt>
+                                        </p:tgtEl>
+                                        <p:attrNameLst>
+                                          <p:attrName>style.visibility</p:attrName>
+                                        </p:attrNameLst>
+                                      </p:cBhvr>
+                                      <p:to>
+                                        <p:strVal val="visible"/>
+                                      </p:to>
+                                    </p:set>
+                                  </p:childTnLst>
+                                </p:cTn>
+                              </p:par>
+                            </p:childTnLst>
+                          </p:cTn>
+                        </p:par>
+                      </p:childTnLst>
+                    </p:cTn>
+                  </p:par>
+                  <p:par>
+                    <p:cTn id="11" fill="hold">
+                      <p:stCondLst>
+                        <p:cond delay="indefinite"/>
+                      </p:stCondLst>
+                      <p:childTnLst>
+                        <p:par>
+                          <p:cTn id="12" fill="hold">
+                            <p:stCondLst>
+                              <p:cond delay="0"/>
+                            </p:stCondLst>
+                            <p:childTnLst>
+                              <p:par>
+                                <p:cTn id="13" presetID="1" presetClass="entr" presetSubtype="0" fill="hold" nodeType="clickEffect">
+                                  <p:stCondLst>
+                                    <p:cond delay="0"/>
+                                  </p:stCondLst>
+                                  <p:childTnLst>
+                                    <p:set>
+                                      <p:cBhvr>
+                                        <p:cTn id="14" dur="1" fill="hold">
+                                          <p:stCondLst>
+                                            <p:cond delay="0"/>
+                                          </p:stCondLst>
+                                        </p:cTn>
+                                        <p:tgtEl>
+                                          <p:spTgt spid="178">
+                                            <p:txEl>
+                                              <p:pRg st="2" end="2"/>
+                                            </p:txEl>
+                                          </p:spTgt>
+                                        </p:tgtEl>
+                                        <p:attrNameLst>
+                                          <p:attrName>style.visibility</p:attrName>
+                                        </p:attrNameLst>
+                                      </p:cBhvr>
+                                      <p:to>
+                                        <p:strVal val="visible"/>
+                                      </p:to>
+                                    </p:set>
+                                  </p:childTnLst>
+                                </p:cTn>
+                              </p:par>
+                            </p:childTnLst>
+                          </p:cTn>
+                        </p:par>
+                      </p:childTnLst>
+                    </p:cTn>
+                  </p:par>
+                  <p:par>
+                    <p:cTn id="15" fill="hold">
+                      <p:stCondLst>
+                        <p:cond delay="indefinite"/>
+                      </p:stCondLst>
+                      <p:childTnLst>
+                        <p:par>
+                          <p:cTn id="16" fill="hold">
+                            <p:stCondLst>
+                              <p:cond delay="0"/>
+                            </p:stCondLst>
+                            <p:childTnLst>
+                              <p:par>
+                                <p:cTn id="17" presetID="1" presetClass="entr" presetSubtype="0" fill="hold" nodeType="clickEffect">
+                                  <p:stCondLst>
+                                    <p:cond delay="0"/>
+                                  </p:stCondLst>
+                                  <p:childTnLst>
+                                    <p:set>
+                                      <p:cBhvr>
+                                        <p:cTn id="18" dur="1" fill="hold">
+                                          <p:stCondLst>
+                                            <p:cond delay="0"/>
+                                          </p:stCondLst>
+                                        </p:cTn>
+                                        <p:tgtEl>
+                                          <p:spTgt spid="178">
+                                            <p:txEl>
+                                              <p:pRg st="3" end="3"/>
+                                            </p:txEl>
+                                          </p:spTgt>
+                                        </p:tgtEl>
+                                        <p:attrNameLst>
+                                          <p:attrName>style.visibility</p:attrName>
+                                        </p:attrNameLst>
+                                      </p:cBhvr>
+                                      <p:to>
+                                        <p:strVal val="visible"/>
+                                      </p:to>
+                                    </p:set>
+                                  </p:childTnLst>
+                                </p:cTn>
+                              </p:par>
+                            </p:childTnLst>
+                          </p:cTn>
+                        </p:par>
+                      </p:childTnLst>
+                    </p:cTn>
+                  </p:par>
+                  <p:par>
+                    <p:cTn id="19" fill="hold">
+                      <p:stCondLst>
+                        <p:cond delay="indefinite"/>
+                      </p:stCondLst>
+                      <p:childTnLst>
+                        <p:par>
+                          <p:cTn id="20" fill="hold">
+                            <p:stCondLst>
+                              <p:cond delay="0"/>
+                            </p:stCondLst>
+                            <p:childTnLst>
+                              <p:par>
+                                <p:cTn id="21" presetID="1" presetClass="entr" presetSubtype="0" fill="hold" nodeType="clickEffect">
+                                  <p:stCondLst>
+                                    <p:cond delay="0"/>
+                                  </p:stCondLst>
+                                  <p:childTnLst>
+                                    <p:set>
+                                      <p:cBhvr>
+                                        <p:cTn id="22" dur="1" fill="hold">
+                                          <p:stCondLst>
+                                            <p:cond delay="0"/>
+                                          </p:stCondLst>
+                                        </p:cTn>
+                                        <p:tgtEl>
+                                          <p:spTgt spid="178">
+                                            <p:txEl>
+                                              <p:pRg st="4" end="4"/>
+                                            </p:txEl>
+                                          </p:spTgt>
+                                        </p:tgtEl>
+                                        <p:attrNameLst>
+                                          <p:attrName>style.visibility</p:attrName>
+                                        </p:attrNameLst>
+                                      </p:cBhvr>
+                                      <p:to>
+                                        <p:strVal val="visible"/>
+                                      </p:to>
+                                    </p:set>
+                                  </p:childTnLst>
+                                </p:cTn>
+                              </p:par>
+                            </p:childTnLst>
+                          </p:cTn>
+                        </p:par>
+                      </p:childTnLst>
+                    </p:cTn>
+                  </p:par>
+                </p:childTnLst>
+              </p:cTn>
+              <p:prevCondLst>
+                <p:cond evt="onPrev" delay="0">
+                  <p:tgtEl>
+                    <p:sldTgt/>
+                  </p:tgtEl>
+                </p:cond>
+              </p:prevCondLst>
+              <p:nextCondLst>
+                <p:cond evt="onNext" delay="0">
+                  <p:tgtEl>
+                    <p:sldTgt/>
+                  </p:tgtEl>
+                </p:cond>
+              </p:nextCondLst>
+            </p:seq>
+          </p:childTnLst>
+        </p:cTn>
+      </p:par>
+    </p:tnLst>
+  </p:timing>
 </p:sld>
 </file>
 
@@ -21792,6 +23388,55 @@
                       </p:childTnLst>
                     </p:cTn>
                   </p:par>
+                  <p:par>
+                    <p:cTn id="7" fill="hold">
+                      <p:stCondLst>
+                        <p:cond delay="indefinite"/>
+                      </p:stCondLst>
+                      <p:childTnLst>
+                        <p:par>
+                          <p:cTn id="8" fill="hold">
+                            <p:stCondLst>
+                              <p:cond delay="0"/>
+                            </p:stCondLst>
+                            <p:childTnLst>
+                              <p:par>
+                                <p:cTn id="9" presetID="1" presetClass="entr" presetSubtype="0" fill="hold" nodeType="clickEffect">
+                                  <p:stCondLst>
+                                    <p:cond delay="0"/>
+                                  </p:stCondLst>
+                                  <p:childTnLst>
+                                    <p:set>
+                                      <p:cBhvr>
+                                        <p:cTn id="10" dur="1" fill="hold">
+                                          <p:stCondLst>
+                                            <p:cond delay="0"/>
+                                          </p:stCondLst>
+                                        </p:cTn>
+                                        <p:tgtEl>
+                                          <p:spTgt spid="79">
+                                            <p:txEl>
+                                              <p:pRg st="1" end="1"/>
+                                            </p:txEl>
+                                          </p:spTgt>
+                                        </p:tgtEl>
+                                        <p:attrNameLst>
+                                          <p:attrName>style.visibility</p:attrName>
+                                        </p:attrNameLst>
+                                      </p:cBhvr>
+                                      <p:to>
+                                        <p:strVal val="visible"/>
+                                      </p:to>
+                                    </p:set>
+                                  </p:childTnLst>
+                                </p:cTn>
+                              </p:par>
+                            </p:childTnLst>
+                          </p:cTn>
+                        </p:par>
+                      </p:childTnLst>
+                    </p:cTn>
+                  </p:par>
                 </p:childTnLst>
               </p:cTn>
               <p:prevCondLst>
@@ -21818,6 +23463,100 @@
 </file>
 
 <file path=ppt/slides/slide30.xml><?xml version="1.0" encoding="utf-8"?>
+<p:sld xmlns:a="http://schemas.openxmlformats.org/drawingml/2006/main" xmlns:r="http://schemas.openxmlformats.org/officeDocument/2006/relationships" xmlns:p="http://schemas.openxmlformats.org/presentationml/2006/main">
+  <p:cSld>
+    <p:spTree>
+      <p:nvGrpSpPr>
+        <p:cNvPr id="1" name="Shape 183"/>
+        <p:cNvGrpSpPr/>
+        <p:nvPr/>
+      </p:nvGrpSpPr>
+      <p:grpSpPr>
+        <a:xfrm>
+          <a:off x="0" y="0"/>
+          <a:ext cx="0" cy="0"/>
+          <a:chOff x="0" y="0"/>
+          <a:chExt cx="0" cy="0"/>
+        </a:xfrm>
+      </p:grpSpPr>
+      <p:sp>
+        <p:nvSpPr>
+          <p:cNvPr id="184" name="Google Shape;184;p30"/>
+          <p:cNvSpPr txBox="1">
+            <a:spLocks noGrp="1"/>
+          </p:cNvSpPr>
+          <p:nvPr>
+            <p:ph type="title"/>
+          </p:nvPr>
+        </p:nvSpPr>
+        <p:spPr>
+          <a:prstGeom prst="rect">
+            <a:avLst/>
+          </a:prstGeom>
+        </p:spPr>
+        <p:txBody>
+          <a:bodyPr spcFirstLastPara="1" wrap="square" lIns="91425" tIns="91425" rIns="91425" bIns="91425" anchor="ctr" anchorCtr="0">
+            <a:noAutofit/>
+          </a:bodyPr>
+          <a:lstStyle/>
+          <a:p>
+            <a:pPr marL="0" lvl="0" indent="0" algn="l" rtl="0">
+              <a:spcBef>
+                <a:spcPts val="0"/>
+              </a:spcBef>
+              <a:spcAft>
+                <a:spcPts val="0"/>
+              </a:spcAft>
+              <a:buNone/>
+            </a:pPr>
+            <a:r>
+              <a:rPr lang="en"/>
+              <a:t>Big-O Notation</a:t>
+            </a:r>
+            <a:endParaRPr/>
+          </a:p>
+        </p:txBody>
+      </p:sp>
+      <p:pic>
+        <p:nvPicPr>
+          <p:cNvPr id="185" name="Google Shape;185;p30"/>
+          <p:cNvPicPr preferRelativeResize="0"/>
+          <p:nvPr/>
+        </p:nvPicPr>
+        <p:blipFill>
+          <a:blip r:embed="rId3">
+            <a:alphaModFix/>
+          </a:blip>
+          <a:stretch>
+            <a:fillRect/>
+          </a:stretch>
+        </p:blipFill>
+        <p:spPr>
+          <a:xfrm>
+            <a:off x="1833440" y="880787"/>
+            <a:ext cx="5477119" cy="4219650"/>
+          </a:xfrm>
+          <a:prstGeom prst="rect">
+            <a:avLst/>
+          </a:prstGeom>
+          <a:noFill/>
+          <a:ln>
+            <a:noFill/>
+          </a:ln>
+        </p:spPr>
+      </p:pic>
+    </p:spTree>
+  </p:cSld>
+  <p:clrMapOvr>
+    <a:masterClrMapping/>
+  </p:clrMapOvr>
+  <p:transition spd="slow">
+    <p:push dir="u"/>
+  </p:transition>
+</p:sld>
+</file>
+
+<file path=ppt/slides/slide31.xml><?xml version="1.0" encoding="utf-8"?>
 <p:sld xmlns:a="http://schemas.openxmlformats.org/drawingml/2006/main" xmlns:r="http://schemas.openxmlformats.org/officeDocument/2006/relationships" xmlns:p="http://schemas.openxmlformats.org/presentationml/2006/main">
   <p:cSld>
     <p:spTree>
@@ -21911,7 +23650,7 @@
 </p:sld>
 </file>
 
-<file path=ppt/slides/slide31.xml><?xml version="1.0" encoding="utf-8"?>
+<file path=ppt/slides/slide32.xml><?xml version="1.0" encoding="utf-8"?>
 <p:sld xmlns:a="http://schemas.openxmlformats.org/drawingml/2006/main" xmlns:r="http://schemas.openxmlformats.org/officeDocument/2006/relationships" xmlns:p="http://schemas.openxmlformats.org/presentationml/2006/main">
   <p:cSld>
     <p:spTree>
